--- a/papers/presentations/source/d1039r2.pptx
+++ b/papers/presentations/source/d1039r2.pptx
@@ -5,22 +5,27 @@
     <p:sldMasterId id="2147483648" r:id="rId4"/>
   </p:sldMasterIdLst>
   <p:notesMasterIdLst>
-    <p:notesMasterId r:id="rId15"/>
+    <p:notesMasterId r:id="rId20"/>
   </p:notesMasterIdLst>
   <p:handoutMasterIdLst>
-    <p:handoutMasterId r:id="rId16"/>
+    <p:handoutMasterId r:id="rId21"/>
   </p:handoutMasterIdLst>
   <p:sldIdLst>
     <p:sldId id="256" r:id="rId5"/>
-    <p:sldId id="257" r:id="rId6"/>
-    <p:sldId id="286" r:id="rId7"/>
-    <p:sldId id="289" r:id="rId8"/>
-    <p:sldId id="290" r:id="rId9"/>
-    <p:sldId id="260" r:id="rId10"/>
-    <p:sldId id="288" r:id="rId11"/>
-    <p:sldId id="287" r:id="rId12"/>
-    <p:sldId id="261" r:id="rId13"/>
-    <p:sldId id="268" r:id="rId14"/>
+    <p:sldId id="292" r:id="rId6"/>
+    <p:sldId id="257" r:id="rId7"/>
+    <p:sldId id="286" r:id="rId8"/>
+    <p:sldId id="289" r:id="rId9"/>
+    <p:sldId id="290" r:id="rId10"/>
+    <p:sldId id="291" r:id="rId11"/>
+    <p:sldId id="293" r:id="rId12"/>
+    <p:sldId id="294" r:id="rId13"/>
+    <p:sldId id="295" r:id="rId14"/>
+    <p:sldId id="260" r:id="rId15"/>
+    <p:sldId id="288" r:id="rId16"/>
+    <p:sldId id="287" r:id="rId17"/>
+    <p:sldId id="261" r:id="rId18"/>
+    <p:sldId id="268" r:id="rId19"/>
   </p:sldIdLst>
   <p:sldSz cx="12192000" cy="6858000"/>
   <p:notesSz cx="6858000" cy="9144000"/>
@@ -235,7 +240,7 @@
           <a:p>
             <a:fld id="{1CA5457B-CDAE-4DEB-AEC8-C82DE2312E37}" type="datetimeFigureOut">
               <a:rPr lang="en-GB" smtClean="0"/>
-              <a:t>20/02/2019</a:t>
+              <a:t>17/07/2019</a:t>
             </a:fld>
             <a:endParaRPr lang="en-GB" dirty="0"/>
           </a:p>
@@ -412,7 +417,7 @@
           <a:p>
             <a:fld id="{090B78EA-28CE-41D8-9043-90E391E5F567}" type="datetimeFigureOut">
               <a:rPr lang="en-GB" smtClean="0"/>
-              <a:t>20/02/2019</a:t>
+              <a:t>17/07/2019</a:t>
             </a:fld>
             <a:endParaRPr lang="en-GB" dirty="0"/>
           </a:p>
@@ -24177,7 +24182,7 @@
       </a:lvl9pPr>
     </p:otherStyle>
   </p:txStyles>
-  <p:extLst mod="1">
+  <p:extLst>
     <p:ext uri="{27BBF7A9-308A-43DC-89C8-2F10F3537804}">
       <p15:sldGuideLst xmlns:p15="http://schemas.microsoft.com/office/powerpoint/2012/main">
         <p15:guide id="1" orient="horz" pos="2160" userDrawn="1">
@@ -24302,12 +24307,8 @@
               <a:buNone/>
             </a:pPr>
             <a:r>
-              <a:rPr lang="en-US"/>
-              <a:t>d1039r2: Flexible </a:t>
-            </a:r>
-            <a:r>
               <a:rPr lang="en-US" dirty="0"/>
-              <a:t>Array Members for C++23</a:t>
+              <a:t>d1039r2: Flexible Array Members for C++23</a:t>
             </a:r>
           </a:p>
           <a:p>
@@ -24321,8 +24322,12 @@
               <a:buNone/>
             </a:pPr>
             <a:r>
+              <a:rPr lang="en-US" dirty="0" err="1"/>
+              <a:t>ThePhD</a:t>
+            </a:r>
+            <a:r>
               <a:rPr lang="en-US" dirty="0"/>
-              <a:t>JeanHeyd Meneide, Nicole </a:t>
+              <a:t>, Nicole </a:t>
             </a:r>
             <a:r>
               <a:rPr lang="en-US" dirty="0" err="1"/>
@@ -24352,7 +24357,11 @@
             </a:pPr>
             <a:r>
               <a:rPr lang="en-US" dirty="0"/>
-              <a:t>EWG (Incubator), Kona 2019</a:t>
+              <a:t>EWG (Incubator</a:t>
+            </a:r>
+            <a:r>
+              <a:rPr lang="en-US"/>
+              <a:t>), Köln 2019</a:t>
             </a:r>
             <a:endParaRPr lang="en-GB" dirty="0"/>
           </a:p>
@@ -24396,69 +24405,7 @@
           <p:cNvPr id="2" name="Title 1">
             <a:extLst>
               <a:ext uri="{FF2B5EF4-FFF2-40B4-BE49-F238E27FC236}">
-                <a16:creationId xmlns:a16="http://schemas.microsoft.com/office/drawing/2014/main" id="{632BE5BF-9922-45FB-8F3F-4446D40A051B}"/>
-              </a:ext>
-            </a:extLst>
-          </p:cNvPr>
-          <p:cNvSpPr>
-            <a:spLocks noGrp="1"/>
-          </p:cNvSpPr>
-          <p:nvPr>
-            <p:ph type="ctrTitle"/>
-          </p:nvPr>
-        </p:nvSpPr>
-        <p:spPr/>
-        <p:txBody>
-          <a:bodyPr/>
-          <a:lstStyle/>
-          <a:p>
-            <a:r>
-              <a:rPr lang="en-US" dirty="0"/>
-              <a:t>Thank You</a:t>
-            </a:r>
-            <a:endParaRPr lang="en-GB" dirty="0"/>
-          </a:p>
-        </p:txBody>
-      </p:sp>
-    </p:spTree>
-    <p:extLst>
-      <p:ext uri="{BB962C8B-B14F-4D97-AF65-F5344CB8AC3E}">
-        <p14:creationId xmlns:p14="http://schemas.microsoft.com/office/powerpoint/2010/main" val="44069682"/>
-      </p:ext>
-    </p:extLst>
-  </p:cSld>
-  <p:clrMapOvr>
-    <a:masterClrMapping/>
-  </p:clrMapOvr>
-  <p:transition spd="slow">
-    <p:wipe/>
-  </p:transition>
-</p:sld>
-</file>
-
-<file path=ppt/slides/slide2.xml><?xml version="1.0" encoding="utf-8"?>
-<p:sld xmlns:a="http://schemas.openxmlformats.org/drawingml/2006/main" xmlns:r="http://schemas.openxmlformats.org/officeDocument/2006/relationships" xmlns:p="http://schemas.openxmlformats.org/presentationml/2006/main">
-  <p:cSld>
-    <p:spTree>
-      <p:nvGrpSpPr>
-        <p:cNvPr id="1" name=""/>
-        <p:cNvGrpSpPr/>
-        <p:nvPr/>
-      </p:nvGrpSpPr>
-      <p:grpSpPr>
-        <a:xfrm>
-          <a:off x="0" y="0"/>
-          <a:ext cx="0" cy="0"/>
-          <a:chOff x="0" y="0"/>
-          <a:chExt cx="0" cy="0"/>
-        </a:xfrm>
-      </p:grpSpPr>
-      <p:sp>
-        <p:nvSpPr>
-          <p:cNvPr id="4" name="Title 3">
-            <a:extLst>
-              <a:ext uri="{FF2B5EF4-FFF2-40B4-BE49-F238E27FC236}">
-                <a16:creationId xmlns:a16="http://schemas.microsoft.com/office/drawing/2014/main" id="{E3BD8413-C238-49D7-A4E1-E8FEF1811A0E}"/>
+                <a16:creationId xmlns:a16="http://schemas.microsoft.com/office/drawing/2014/main" id="{6E5591F2-4835-41B1-BC56-2AA9C443A8C4}"/>
               </a:ext>
             </a:extLst>
           </p:cNvPr>
@@ -24475,48 +24422,152 @@
           <a:lstStyle/>
           <a:p>
             <a:r>
+              <a:rPr lang="en-US" dirty="0">
+                <a:latin typeface="Fira Code" panose="020B0509050000020004" pitchFamily="49" charset="0"/>
+                <a:ea typeface="Fira Code" panose="020B0509050000020004" pitchFamily="49" charset="0"/>
+              </a:rPr>
+              <a:t>std::</a:t>
+            </a:r>
+            <a:r>
+              <a:rPr lang="en-US" dirty="0" err="1">
+                <a:solidFill>
+                  <a:schemeClr val="accent3">
+                    <a:lumMod val="20000"/>
+                    <a:lumOff val="80000"/>
+                  </a:schemeClr>
+                </a:solidFill>
+                <a:latin typeface="Fira Code" panose="020B0509050000020004" pitchFamily="49" charset="0"/>
+                <a:ea typeface="Fira Code" panose="020B0509050000020004" pitchFamily="49" charset="0"/>
+              </a:rPr>
+              <a:t>is_fam</a:t>
+            </a:r>
+            <a:r>
+              <a:rPr lang="en-US" dirty="0">
+                <a:latin typeface="Fira Code" panose="020B0509050000020004" pitchFamily="49" charset="0"/>
+                <a:ea typeface="Fira Code" panose="020B0509050000020004" pitchFamily="49" charset="0"/>
+              </a:rPr>
+              <a:t>(</a:t>
+            </a:r>
+            <a:r>
+              <a:rPr lang="en-US" dirty="0">
+                <a:solidFill>
+                  <a:schemeClr val="accent3">
+                    <a:lumMod val="20000"/>
+                    <a:lumOff val="80000"/>
+                  </a:schemeClr>
+                </a:solidFill>
+                <a:latin typeface="Fira Code" panose="020B0509050000020004" pitchFamily="49" charset="0"/>
+                <a:ea typeface="Fira Code" panose="020B0509050000020004" pitchFamily="49" charset="0"/>
+              </a:rPr>
+              <a:t>_v</a:t>
+            </a:r>
+            <a:r>
+              <a:rPr lang="en-US" dirty="0">
+                <a:latin typeface="Fira Code" panose="020B0509050000020004" pitchFamily="49" charset="0"/>
+                <a:ea typeface="Fira Code" panose="020B0509050000020004" pitchFamily="49" charset="0"/>
+              </a:rPr>
+              <a:t>)&lt;</a:t>
+            </a:r>
+            <a:r>
+              <a:rPr lang="en-US" dirty="0">
+                <a:solidFill>
+                  <a:schemeClr val="accent1">
+                    <a:lumMod val="20000"/>
+                    <a:lumOff val="80000"/>
+                  </a:schemeClr>
+                </a:solidFill>
+                <a:latin typeface="Fira Code" panose="020B0509050000020004" pitchFamily="49" charset="0"/>
+                <a:ea typeface="Fira Code" panose="020B0509050000020004" pitchFamily="49" charset="0"/>
+              </a:rPr>
+              <a:t>T</a:t>
+            </a:r>
+            <a:r>
+              <a:rPr lang="en-US" dirty="0">
+                <a:latin typeface="Fira Code" panose="020B0509050000020004" pitchFamily="49" charset="0"/>
+                <a:ea typeface="Fira Code" panose="020B0509050000020004" pitchFamily="49" charset="0"/>
+              </a:rPr>
+              <a:t>&gt;</a:t>
+            </a:r>
+            <a:r>
               <a:rPr lang="en-US" dirty="0"/>
-              <a:t>Why FAMs?</a:t>
-            </a:r>
-            <a:endParaRPr lang="en-GB" dirty="0"/>
+              <a:t>, </a:t>
+            </a:r>
+            <a:r>
+              <a:rPr lang="en-US" dirty="0">
+                <a:latin typeface="Fira Code" panose="020B0509050000020004" pitchFamily="49" charset="0"/>
+                <a:ea typeface="Fira Code" panose="020B0509050000020004" pitchFamily="49" charset="0"/>
+              </a:rPr>
+              <a:t>std::</a:t>
+            </a:r>
+            <a:r>
+              <a:rPr lang="en-US" dirty="0" err="1">
+                <a:solidFill>
+                  <a:schemeClr val="accent3">
+                    <a:lumMod val="20000"/>
+                    <a:lumOff val="80000"/>
+                  </a:schemeClr>
+                </a:solidFill>
+                <a:latin typeface="Fira Code" panose="020B0509050000020004" pitchFamily="49" charset="0"/>
+                <a:ea typeface="Fira Code" panose="020B0509050000020004" pitchFamily="49" charset="0"/>
+              </a:rPr>
+              <a:t>fam_element</a:t>
+            </a:r>
+            <a:r>
+              <a:rPr lang="en-US" dirty="0">
+                <a:latin typeface="Fira Code" panose="020B0509050000020004" pitchFamily="49" charset="0"/>
+                <a:ea typeface="Fira Code" panose="020B0509050000020004" pitchFamily="49" charset="0"/>
+              </a:rPr>
+              <a:t>(</a:t>
+            </a:r>
+            <a:r>
+              <a:rPr lang="en-US" dirty="0">
+                <a:solidFill>
+                  <a:schemeClr val="accent3">
+                    <a:lumMod val="20000"/>
+                    <a:lumOff val="80000"/>
+                  </a:schemeClr>
+                </a:solidFill>
+                <a:latin typeface="Fira Code" panose="020B0509050000020004" pitchFamily="49" charset="0"/>
+                <a:ea typeface="Fira Code" panose="020B0509050000020004" pitchFamily="49" charset="0"/>
+              </a:rPr>
+              <a:t>_t</a:t>
+            </a:r>
+            <a:r>
+              <a:rPr lang="en-US" dirty="0">
+                <a:latin typeface="Fira Code" panose="020B0509050000020004" pitchFamily="49" charset="0"/>
+                <a:ea typeface="Fira Code" panose="020B0509050000020004" pitchFamily="49" charset="0"/>
+              </a:rPr>
+              <a:t>)&lt;</a:t>
+            </a:r>
+            <a:r>
+              <a:rPr lang="en-US" dirty="0">
+                <a:solidFill>
+                  <a:schemeClr val="accent1">
+                    <a:lumMod val="20000"/>
+                    <a:lumOff val="80000"/>
+                  </a:schemeClr>
+                </a:solidFill>
+                <a:latin typeface="Fira Code" panose="020B0509050000020004" pitchFamily="49" charset="0"/>
+                <a:ea typeface="Fira Code" panose="020B0509050000020004" pitchFamily="49" charset="0"/>
+              </a:rPr>
+              <a:t>T</a:t>
+            </a:r>
+            <a:r>
+              <a:rPr lang="en-US" dirty="0">
+                <a:latin typeface="Fira Code" panose="020B0509050000020004" pitchFamily="49" charset="0"/>
+                <a:ea typeface="Fira Code" panose="020B0509050000020004" pitchFamily="49" charset="0"/>
+              </a:rPr>
+              <a:t>&gt;</a:t>
+            </a:r>
           </a:p>
         </p:txBody>
       </p:sp>
       <p:sp>
         <p:nvSpPr>
-          <p:cNvPr id="5" name="Text Placeholder 4">
+          <p:cNvPr id="3" name="Slide Number Placeholder 2">
             <a:extLst>
               <a:ext uri="{FF2B5EF4-FFF2-40B4-BE49-F238E27FC236}">
-                <a16:creationId xmlns:a16="http://schemas.microsoft.com/office/drawing/2014/main" id="{0A95F4DE-39B7-4CE2-BC1E-8B8AE662A895}"/>
-              </a:ext>
-            </a:extLst>
-          </p:cNvPr>
-          <p:cNvSpPr>
-            <a:spLocks noGrp="1"/>
-          </p:cNvSpPr>
-          <p:nvPr>
-            <p:ph type="body" idx="1"/>
-          </p:nvPr>
-        </p:nvSpPr>
-        <p:spPr/>
-        <p:txBody>
-          <a:bodyPr/>
-          <a:lstStyle/>
-          <a:p>
-            <a:r>
-              <a:rPr lang="en-US" dirty="0"/>
-              <a:t>Efficiency and Ease-of-Use</a:t>
-            </a:r>
-            <a:endParaRPr lang="en-GB" dirty="0"/>
-          </a:p>
-        </p:txBody>
-      </p:sp>
-      <p:sp>
-        <p:nvSpPr>
-          <p:cNvPr id="2" name="Slide Number Placeholder 1">
-            <a:extLst>
-              <a:ext uri="{FF2B5EF4-FFF2-40B4-BE49-F238E27FC236}">
-                <a16:creationId xmlns:a16="http://schemas.microsoft.com/office/drawing/2014/main" id="{0B24BF10-2B55-43AB-9F77-F1A1410384A9}"/>
+                <a16:creationId xmlns:a16="http://schemas.microsoft.com/office/drawing/2014/main" id="{A03A7C98-AE8B-43E0-A36C-9748FDF8FE48}"/>
               </a:ext>
             </a:extLst>
           </p:cNvPr>
@@ -24535,118 +24586,18 @@
             <a:fld id="{C263D6C4-4840-40CC-AC84-17E24B3B7BDE}" type="slidenum">
               <a:rPr lang="en-GB" smtClean="0"/>
               <a:pPr/>
-              <a:t>2</a:t>
+              <a:t>10</a:t>
             </a:fld>
             <a:endParaRPr lang="en-GB" dirty="0"/>
-          </a:p>
-        </p:txBody>
-      </p:sp>
-    </p:spTree>
-    <p:extLst>
-      <p:ext uri="{BB962C8B-B14F-4D97-AF65-F5344CB8AC3E}">
-        <p14:creationId xmlns:p14="http://schemas.microsoft.com/office/powerpoint/2010/main" val="2902794312"/>
-      </p:ext>
-    </p:extLst>
-  </p:cSld>
-  <p:clrMapOvr>
-    <a:masterClrMapping/>
-  </p:clrMapOvr>
-  <mc:AlternateContent xmlns:mc="http://schemas.openxmlformats.org/markup-compatibility/2006" xmlns:p14="http://schemas.microsoft.com/office/powerpoint/2010/main">
-    <mc:Choice Requires="p14">
-      <p:transition spd="med" p14:dur="700">
-        <p:fade/>
-      </p:transition>
-    </mc:Choice>
-    <mc:Fallback xmlns="">
-      <p:transition spd="med">
-        <p:fade/>
-      </p:transition>
-    </mc:Fallback>
-  </mc:AlternateContent>
-</p:sld>
-</file>
-
-<file path=ppt/slides/slide3.xml><?xml version="1.0" encoding="utf-8"?>
-<p:sld xmlns:a="http://schemas.openxmlformats.org/drawingml/2006/main" xmlns:r="http://schemas.openxmlformats.org/officeDocument/2006/relationships" xmlns:p="http://schemas.openxmlformats.org/presentationml/2006/main">
-  <p:cSld>
-    <p:spTree>
-      <p:nvGrpSpPr>
-        <p:cNvPr id="1" name=""/>
-        <p:cNvGrpSpPr/>
-        <p:nvPr/>
-      </p:nvGrpSpPr>
-      <p:grpSpPr>
-        <a:xfrm>
-          <a:off x="0" y="0"/>
-          <a:ext cx="0" cy="0"/>
-          <a:chOff x="0" y="0"/>
-          <a:chExt cx="0" cy="0"/>
-        </a:xfrm>
-      </p:grpSpPr>
-      <p:sp>
-        <p:nvSpPr>
-          <p:cNvPr id="5" name="Title 4">
-            <a:extLst>
-              <a:ext uri="{FF2B5EF4-FFF2-40B4-BE49-F238E27FC236}">
-                <a16:creationId xmlns:a16="http://schemas.microsoft.com/office/drawing/2014/main" id="{BC1ECF8B-5D19-414F-B33C-A5147A1A7719}"/>
-              </a:ext>
-            </a:extLst>
-          </p:cNvPr>
-          <p:cNvSpPr>
-            <a:spLocks noGrp="1"/>
-          </p:cNvSpPr>
-          <p:nvPr>
-            <p:ph type="title"/>
-          </p:nvPr>
-        </p:nvSpPr>
-        <p:spPr/>
-        <p:txBody>
-          <a:bodyPr/>
-          <a:lstStyle/>
-          <a:p>
-            <a:r>
-              <a:rPr lang="en-US" dirty="0"/>
-              <a:t>Primary Reason: Efficiency</a:t>
-            </a:r>
           </a:p>
         </p:txBody>
       </p:sp>
       <p:sp>
         <p:nvSpPr>
-          <p:cNvPr id="3" name="Slide Number Placeholder 2">
+          <p:cNvPr id="4" name="Content Placeholder 3">
             <a:extLst>
               <a:ext uri="{FF2B5EF4-FFF2-40B4-BE49-F238E27FC236}">
-                <a16:creationId xmlns:a16="http://schemas.microsoft.com/office/drawing/2014/main" id="{11AEEA97-3637-4E02-BDED-EF0CB736B78D}"/>
-              </a:ext>
-            </a:extLst>
-          </p:cNvPr>
-          <p:cNvSpPr>
-            <a:spLocks noGrp="1"/>
-          </p:cNvSpPr>
-          <p:nvPr>
-            <p:ph type="sldNum" sz="quarter" idx="12"/>
-          </p:nvPr>
-        </p:nvSpPr>
-        <p:spPr/>
-        <p:txBody>
-          <a:bodyPr/>
-          <a:lstStyle/>
-          <a:p>
-            <a:fld id="{C263D6C4-4840-40CC-AC84-17E24B3B7BDE}" type="slidenum">
-              <a:rPr lang="en-GB" smtClean="0"/>
-              <a:pPr/>
-              <a:t>3</a:t>
-            </a:fld>
-            <a:endParaRPr lang="en-GB" dirty="0"/>
-          </a:p>
-        </p:txBody>
-      </p:sp>
-      <p:sp>
-        <p:nvSpPr>
-          <p:cNvPr id="6" name="Content Placeholder 5">
-            <a:extLst>
-              <a:ext uri="{FF2B5EF4-FFF2-40B4-BE49-F238E27FC236}">
-                <a16:creationId xmlns:a16="http://schemas.microsoft.com/office/drawing/2014/main" id="{B7021C7C-1D1A-4933-8EAB-CA092CABE808}"/>
+                <a16:creationId xmlns:a16="http://schemas.microsoft.com/office/drawing/2014/main" id="{AE5C41C5-ECD3-4AA5-A33C-A891DA7CC4F4}"/>
               </a:ext>
             </a:extLst>
           </p:cNvPr>
@@ -24664,31 +24615,45 @@
           <a:p>
             <a:r>
               <a:rPr lang="en-US" dirty="0"/>
-              <a:t>C++ is leaving room for a lower-level language, C</a:t>
+              <a:t>Some extra type traits</a:t>
             </a:r>
           </a:p>
           <a:p>
             <a:pPr lvl="1"/>
             <a:r>
               <a:rPr lang="en-US" dirty="0"/>
-              <a:t>No way to type-safely allocate a (header) structure + its data</a:t>
+              <a:t>Check if something is a flexible array member</a:t>
             </a:r>
           </a:p>
           <a:p>
             <a:pPr lvl="1"/>
-            <a:endParaRPr lang="en-US" dirty="0"/>
-          </a:p>
-          <a:p>
+            <a:r>
+              <a:rPr lang="en-US" sz="2000" dirty="0">
+                <a:latin typeface="Fira Code" panose="020B0509050000020004" pitchFamily="49" charset="0"/>
+                <a:ea typeface="Fira Code" panose="020B0509050000020004" pitchFamily="49" charset="0"/>
+              </a:rPr>
+              <a:t>std::</a:t>
+            </a:r>
+            <a:r>
+              <a:rPr lang="en-US" sz="2000" dirty="0" err="1">
+                <a:solidFill>
+                  <a:schemeClr val="accent3">
+                    <a:lumMod val="20000"/>
+                    <a:lumOff val="80000"/>
+                  </a:schemeClr>
+                </a:solidFill>
+                <a:latin typeface="Fira Code" panose="020B0509050000020004" pitchFamily="49" charset="0"/>
+                <a:ea typeface="Fira Code" panose="020B0509050000020004" pitchFamily="49" charset="0"/>
+              </a:rPr>
+              <a:t>fam_element</a:t>
+            </a:r>
+            <a:r>
+              <a:rPr lang="en-US" sz="2000" dirty="0"/>
+              <a:t> </a:t>
+            </a:r>
             <a:r>
               <a:rPr lang="en-US" dirty="0"/>
-              <a:t>Double-allocating is a non-starter in critical applications</a:t>
-            </a:r>
-          </a:p>
-          <a:p>
-            <a:pPr lvl="1"/>
-            <a:r>
-              <a:rPr lang="en-US" dirty="0"/>
-              <a:t>Impossible for C++ to model many in-line structures without hacks or much error-prone manual handling</a:t>
+              <a:t>is not SFINAE friendly: it either has the proper member that gives the element type, or errors</a:t>
             </a:r>
           </a:p>
         </p:txBody>
@@ -24696,7 +24661,7 @@
     </p:spTree>
     <p:extLst>
       <p:ext uri="{BB962C8B-B14F-4D97-AF65-F5344CB8AC3E}">
-        <p14:creationId xmlns:p14="http://schemas.microsoft.com/office/powerpoint/2010/main" val="1097410801"/>
+        <p14:creationId xmlns:p14="http://schemas.microsoft.com/office/powerpoint/2010/main" val="3949463244"/>
       </p:ext>
     </p:extLst>
   </p:cSld>
@@ -24706,559 +24671,7 @@
 </p:sld>
 </file>
 
-<file path=ppt/slides/slide4.xml><?xml version="1.0" encoding="utf-8"?>
-<p:sld xmlns:a="http://schemas.openxmlformats.org/drawingml/2006/main" xmlns:r="http://schemas.openxmlformats.org/officeDocument/2006/relationships" xmlns:p="http://schemas.openxmlformats.org/presentationml/2006/main">
-  <p:cSld>
-    <p:spTree>
-      <p:nvGrpSpPr>
-        <p:cNvPr id="1" name=""/>
-        <p:cNvGrpSpPr/>
-        <p:nvPr/>
-      </p:nvGrpSpPr>
-      <p:grpSpPr>
-        <a:xfrm>
-          <a:off x="0" y="0"/>
-          <a:ext cx="0" cy="0"/>
-          <a:chOff x="0" y="0"/>
-          <a:chExt cx="0" cy="0"/>
-        </a:xfrm>
-      </p:grpSpPr>
-      <p:sp>
-        <p:nvSpPr>
-          <p:cNvPr id="2" name="Title 1">
-            <a:extLst>
-              <a:ext uri="{FF2B5EF4-FFF2-40B4-BE49-F238E27FC236}">
-                <a16:creationId xmlns:a16="http://schemas.microsoft.com/office/drawing/2014/main" id="{F8E008CF-48BC-4A62-B888-6724B9FEA59B}"/>
-              </a:ext>
-            </a:extLst>
-          </p:cNvPr>
-          <p:cNvSpPr>
-            <a:spLocks noGrp="1"/>
-          </p:cNvSpPr>
-          <p:nvPr>
-            <p:ph type="title"/>
-          </p:nvPr>
-        </p:nvSpPr>
-        <p:spPr/>
-        <p:txBody>
-          <a:bodyPr/>
-          <a:lstStyle/>
-          <a:p>
-            <a:r>
-              <a:rPr lang="en-US" dirty="0"/>
-              <a:t>Primary Reason: Type Safety</a:t>
-            </a:r>
-          </a:p>
-        </p:txBody>
-      </p:sp>
-      <p:sp>
-        <p:nvSpPr>
-          <p:cNvPr id="3" name="Slide Number Placeholder 2">
-            <a:extLst>
-              <a:ext uri="{FF2B5EF4-FFF2-40B4-BE49-F238E27FC236}">
-                <a16:creationId xmlns:a16="http://schemas.microsoft.com/office/drawing/2014/main" id="{25D73F35-EE17-4654-A8C4-0AB1A76EF25E}"/>
-              </a:ext>
-            </a:extLst>
-          </p:cNvPr>
-          <p:cNvSpPr>
-            <a:spLocks noGrp="1"/>
-          </p:cNvSpPr>
-          <p:nvPr>
-            <p:ph type="sldNum" sz="quarter" idx="12"/>
-          </p:nvPr>
-        </p:nvSpPr>
-        <p:spPr/>
-        <p:txBody>
-          <a:bodyPr/>
-          <a:lstStyle/>
-          <a:p>
-            <a:fld id="{C263D6C4-4840-40CC-AC84-17E24B3B7BDE}" type="slidenum">
-              <a:rPr lang="en-GB" smtClean="0"/>
-              <a:pPr/>
-              <a:t>4</a:t>
-            </a:fld>
-            <a:endParaRPr lang="en-GB" dirty="0"/>
-          </a:p>
-        </p:txBody>
-      </p:sp>
-      <p:sp>
-        <p:nvSpPr>
-          <p:cNvPr id="4" name="Content Placeholder 3">
-            <a:extLst>
-              <a:ext uri="{FF2B5EF4-FFF2-40B4-BE49-F238E27FC236}">
-                <a16:creationId xmlns:a16="http://schemas.microsoft.com/office/drawing/2014/main" id="{B18C8899-C45A-40B1-ADB6-4EADFBC4E89D}"/>
-              </a:ext>
-            </a:extLst>
-          </p:cNvPr>
-          <p:cNvSpPr>
-            <a:spLocks noGrp="1"/>
-          </p:cNvSpPr>
-          <p:nvPr>
-            <p:ph idx="1"/>
-          </p:nvPr>
-        </p:nvSpPr>
-        <p:spPr/>
-        <p:txBody>
-          <a:bodyPr/>
-          <a:lstStyle/>
-          <a:p>
-            <a:r>
-              <a:rPr lang="en-US" dirty="0"/>
-              <a:t>Tail-allocated data structures are violently unsafe in C</a:t>
-            </a:r>
-          </a:p>
-          <a:p>
-            <a:pPr lvl="1"/>
-            <a:r>
-              <a:rPr lang="en-US" dirty="0"/>
-              <a:t>Malloc-based</a:t>
-            </a:r>
-          </a:p>
-          <a:p>
-            <a:pPr lvl="1"/>
-            <a:r>
-              <a:rPr lang="en-US" dirty="0"/>
-              <a:t>Allocate and pray the byte size is correct</a:t>
-            </a:r>
-          </a:p>
-          <a:p>
-            <a:pPr lvl="1"/>
-            <a:endParaRPr lang="en-US" dirty="0"/>
-          </a:p>
-          <a:p>
-            <a:r>
-              <a:rPr lang="en-US" dirty="0"/>
-              <a:t>Library-only data structure of </a:t>
-            </a:r>
-            <a:r>
-              <a:rPr lang="en-US" sz="2000" dirty="0" err="1">
-                <a:solidFill>
-                  <a:schemeClr val="accent3">
-                    <a:lumMod val="40000"/>
-                    <a:lumOff val="60000"/>
-                  </a:schemeClr>
-                </a:solidFill>
-                <a:latin typeface="Fira Code" panose="020B0509050000020004" pitchFamily="49" charset="0"/>
-                <a:ea typeface="Fira Code" panose="020B0509050000020004" pitchFamily="49" charset="0"/>
-              </a:rPr>
-              <a:t>tail_allocated</a:t>
-            </a:r>
-            <a:r>
-              <a:rPr lang="en-US" sz="2000" dirty="0">
-                <a:latin typeface="Fira Code" panose="020B0509050000020004" pitchFamily="49" charset="0"/>
-                <a:ea typeface="Fira Code" panose="020B0509050000020004" pitchFamily="49" charset="0"/>
-              </a:rPr>
-              <a:t>&lt;</a:t>
-            </a:r>
-            <a:r>
-              <a:rPr lang="en-US" sz="2000" dirty="0">
-                <a:solidFill>
-                  <a:schemeClr val="accent1">
-                    <a:lumMod val="40000"/>
-                    <a:lumOff val="60000"/>
-                  </a:schemeClr>
-                </a:solidFill>
-                <a:latin typeface="Fira Code" panose="020B0509050000020004" pitchFamily="49" charset="0"/>
-                <a:ea typeface="Fira Code" panose="020B0509050000020004" pitchFamily="49" charset="0"/>
-              </a:rPr>
-              <a:t>Head</a:t>
-            </a:r>
-            <a:r>
-              <a:rPr lang="en-US" sz="2000" dirty="0">
-                <a:latin typeface="Fira Code" panose="020B0509050000020004" pitchFamily="49" charset="0"/>
-                <a:ea typeface="Fira Code" panose="020B0509050000020004" pitchFamily="49" charset="0"/>
-              </a:rPr>
-              <a:t>, </a:t>
-            </a:r>
-            <a:r>
-              <a:rPr lang="en-US" sz="2000" dirty="0">
-                <a:solidFill>
-                  <a:schemeClr val="accent1">
-                    <a:lumMod val="40000"/>
-                    <a:lumOff val="60000"/>
-                  </a:schemeClr>
-                </a:solidFill>
-                <a:latin typeface="Fira Code" panose="020B0509050000020004" pitchFamily="49" charset="0"/>
-                <a:ea typeface="Fira Code" panose="020B0509050000020004" pitchFamily="49" charset="0"/>
-              </a:rPr>
-              <a:t>T</a:t>
-            </a:r>
-            <a:r>
-              <a:rPr lang="en-US" sz="2000" dirty="0">
-                <a:latin typeface="Fira Code" panose="020B0509050000020004" pitchFamily="49" charset="0"/>
-                <a:ea typeface="Fira Code" panose="020B0509050000020004" pitchFamily="49" charset="0"/>
-              </a:rPr>
-              <a:t>&gt;</a:t>
-            </a:r>
-            <a:r>
-              <a:rPr lang="en-US" dirty="0"/>
-              <a:t> is error-prone</a:t>
-            </a:r>
-          </a:p>
-          <a:p>
-            <a:pPr lvl="1"/>
-            <a:r>
-              <a:rPr lang="en-US" sz="1800" dirty="0">
-                <a:latin typeface="Fira Code" panose="020B0509050000020004" pitchFamily="49" charset="0"/>
-                <a:ea typeface="Fira Code" panose="020B0509050000020004" pitchFamily="49" charset="0"/>
-              </a:rPr>
-              <a:t>struct </a:t>
-            </a:r>
-            <a:r>
-              <a:rPr lang="en-US" sz="1800" dirty="0">
-                <a:solidFill>
-                  <a:schemeClr val="accent3">
-                    <a:lumMod val="20000"/>
-                    <a:lumOff val="80000"/>
-                  </a:schemeClr>
-                </a:solidFill>
-                <a:latin typeface="Fira Code" panose="020B0509050000020004" pitchFamily="49" charset="0"/>
-                <a:ea typeface="Fira Code" panose="020B0509050000020004" pitchFamily="49" charset="0"/>
-              </a:rPr>
-              <a:t>bad</a:t>
-            </a:r>
-            <a:r>
-              <a:rPr lang="en-US" sz="1800" dirty="0">
-                <a:latin typeface="Fira Code" panose="020B0509050000020004" pitchFamily="49" charset="0"/>
-                <a:ea typeface="Fira Code" panose="020B0509050000020004" pitchFamily="49" charset="0"/>
-              </a:rPr>
-              <a:t> {</a:t>
-            </a:r>
-            <a:br>
-              <a:rPr lang="en-US" sz="1800" dirty="0">
-                <a:latin typeface="Fira Code" panose="020B0509050000020004" pitchFamily="49" charset="0"/>
-                <a:ea typeface="Fira Code" panose="020B0509050000020004" pitchFamily="49" charset="0"/>
-              </a:rPr>
-            </a:br>
-            <a:r>
-              <a:rPr lang="en-US" sz="1800" dirty="0">
-                <a:latin typeface="Fira Code" panose="020B0509050000020004" pitchFamily="49" charset="0"/>
-                <a:ea typeface="Fira Code" panose="020B0509050000020004" pitchFamily="49" charset="0"/>
-              </a:rPr>
-              <a:t>     </a:t>
-            </a:r>
-            <a:r>
-              <a:rPr lang="en-US" sz="1800" dirty="0" err="1">
-                <a:solidFill>
-                  <a:schemeClr val="accent3">
-                    <a:lumMod val="20000"/>
-                    <a:lumOff val="80000"/>
-                  </a:schemeClr>
-                </a:solidFill>
-                <a:latin typeface="Fira Code" panose="020B0509050000020004" pitchFamily="49" charset="0"/>
-                <a:ea typeface="Fira Code" panose="020B0509050000020004" pitchFamily="49" charset="0"/>
-              </a:rPr>
-              <a:t>tail_allocated</a:t>
-            </a:r>
-            <a:r>
-              <a:rPr lang="en-US" sz="1800" dirty="0">
-                <a:latin typeface="Fira Code" panose="020B0509050000020004" pitchFamily="49" charset="0"/>
-                <a:ea typeface="Fira Code" panose="020B0509050000020004" pitchFamily="49" charset="0"/>
-              </a:rPr>
-              <a:t>&lt;</a:t>
-            </a:r>
-            <a:r>
-              <a:rPr lang="en-US" sz="1800" dirty="0" err="1">
-                <a:solidFill>
-                  <a:schemeClr val="accent3">
-                    <a:lumMod val="20000"/>
-                    <a:lumOff val="80000"/>
-                  </a:schemeClr>
-                </a:solidFill>
-                <a:latin typeface="Fira Code" panose="020B0509050000020004" pitchFamily="49" charset="0"/>
-                <a:ea typeface="Fira Code" panose="020B0509050000020004" pitchFamily="49" charset="0"/>
-              </a:rPr>
-              <a:t>packet_header</a:t>
-            </a:r>
-            <a:r>
-              <a:rPr lang="en-US" sz="1800" dirty="0">
-                <a:latin typeface="Fira Code" panose="020B0509050000020004" pitchFamily="49" charset="0"/>
-                <a:ea typeface="Fira Code" panose="020B0509050000020004" pitchFamily="49" charset="0"/>
-              </a:rPr>
-              <a:t>, std::</a:t>
-            </a:r>
-            <a:r>
-              <a:rPr lang="en-US" sz="1800" dirty="0">
-                <a:solidFill>
-                  <a:schemeClr val="accent1">
-                    <a:lumMod val="40000"/>
-                    <a:lumOff val="60000"/>
-                  </a:schemeClr>
-                </a:solidFill>
-                <a:latin typeface="Fira Code" panose="020B0509050000020004" pitchFamily="49" charset="0"/>
-                <a:ea typeface="Fira Code" panose="020B0509050000020004" pitchFamily="49" charset="0"/>
-              </a:rPr>
-              <a:t>byte</a:t>
-            </a:r>
-            <a:r>
-              <a:rPr lang="en-US" sz="1800" dirty="0">
-                <a:latin typeface="Fira Code" panose="020B0509050000020004" pitchFamily="49" charset="0"/>
-                <a:ea typeface="Fira Code" panose="020B0509050000020004" pitchFamily="49" charset="0"/>
-              </a:rPr>
-              <a:t>&gt; data;</a:t>
-            </a:r>
-            <a:br>
-              <a:rPr lang="en-US" sz="1800" dirty="0">
-                <a:latin typeface="Fira Code" panose="020B0509050000020004" pitchFamily="49" charset="0"/>
-                <a:ea typeface="Fira Code" panose="020B0509050000020004" pitchFamily="49" charset="0"/>
-              </a:rPr>
-            </a:br>
-            <a:r>
-              <a:rPr lang="en-US" sz="1800" dirty="0">
-                <a:latin typeface="Fira Code" panose="020B0509050000020004" pitchFamily="49" charset="0"/>
-                <a:ea typeface="Fira Code" panose="020B0509050000020004" pitchFamily="49" charset="0"/>
-              </a:rPr>
-              <a:t>     </a:t>
-            </a:r>
-            <a:r>
-              <a:rPr lang="en-US" sz="1800" dirty="0">
-                <a:solidFill>
-                  <a:srgbClr val="92D050"/>
-                </a:solidFill>
-                <a:latin typeface="Fira Code" panose="020B0509050000020004" pitchFamily="49" charset="0"/>
-                <a:ea typeface="Fira Code" panose="020B0509050000020004" pitchFamily="49" charset="0"/>
-              </a:rPr>
-              <a:t>/* … */</a:t>
-            </a:r>
-            <a:br>
-              <a:rPr lang="en-US" sz="1800" dirty="0">
-                <a:latin typeface="Fira Code" panose="020B0509050000020004" pitchFamily="49" charset="0"/>
-                <a:ea typeface="Fira Code" panose="020B0509050000020004" pitchFamily="49" charset="0"/>
-              </a:rPr>
-            </a:br>
-            <a:r>
-              <a:rPr lang="en-US" sz="1800" dirty="0">
-                <a:latin typeface="Fira Code" panose="020B0509050000020004" pitchFamily="49" charset="0"/>
-                <a:ea typeface="Fira Code" panose="020B0509050000020004" pitchFamily="49" charset="0"/>
-              </a:rPr>
-              <a:t>     </a:t>
-            </a:r>
-            <a:r>
-              <a:rPr lang="en-US" sz="1800" dirty="0" err="1">
-                <a:solidFill>
-                  <a:schemeClr val="accent3">
-                    <a:lumMod val="20000"/>
-                    <a:lumOff val="80000"/>
-                  </a:schemeClr>
-                </a:solidFill>
-                <a:latin typeface="Fira Code" panose="020B0509050000020004" pitchFamily="49" charset="0"/>
-                <a:ea typeface="Fira Code" panose="020B0509050000020004" pitchFamily="49" charset="0"/>
-              </a:rPr>
-              <a:t>tail_allocated</a:t>
-            </a:r>
-            <a:r>
-              <a:rPr lang="en-US" sz="1800" dirty="0">
-                <a:latin typeface="Fira Code" panose="020B0509050000020004" pitchFamily="49" charset="0"/>
-                <a:ea typeface="Fira Code" panose="020B0509050000020004" pitchFamily="49" charset="0"/>
-              </a:rPr>
-              <a:t>&lt;</a:t>
-            </a:r>
-            <a:r>
-              <a:rPr lang="en-US" sz="1800" dirty="0" err="1">
-                <a:solidFill>
-                  <a:schemeClr val="accent3">
-                    <a:lumMod val="20000"/>
-                    <a:lumOff val="80000"/>
-                  </a:schemeClr>
-                </a:solidFill>
-                <a:latin typeface="Fira Code" panose="020B0509050000020004" pitchFamily="49" charset="0"/>
-                <a:ea typeface="Fira Code" panose="020B0509050000020004" pitchFamily="49" charset="0"/>
-              </a:rPr>
-              <a:t>other_header</a:t>
-            </a:r>
-            <a:r>
-              <a:rPr lang="en-US" sz="1800" dirty="0">
-                <a:latin typeface="Fira Code" panose="020B0509050000020004" pitchFamily="49" charset="0"/>
-                <a:ea typeface="Fira Code" panose="020B0509050000020004" pitchFamily="49" charset="0"/>
-              </a:rPr>
-              <a:t>, std::</a:t>
-            </a:r>
-            <a:r>
-              <a:rPr lang="en-US" sz="1800" dirty="0">
-                <a:solidFill>
-                  <a:schemeClr val="accent1">
-                    <a:lumMod val="40000"/>
-                    <a:lumOff val="60000"/>
-                  </a:schemeClr>
-                </a:solidFill>
-                <a:latin typeface="Fira Code" panose="020B0509050000020004" pitchFamily="49" charset="0"/>
-                <a:ea typeface="Fira Code" panose="020B0509050000020004" pitchFamily="49" charset="0"/>
-              </a:rPr>
-              <a:t>byte</a:t>
-            </a:r>
-            <a:r>
-              <a:rPr lang="en-US" sz="1800" dirty="0">
-                <a:latin typeface="Fira Code" panose="020B0509050000020004" pitchFamily="49" charset="0"/>
-                <a:ea typeface="Fira Code" panose="020B0509050000020004" pitchFamily="49" charset="0"/>
-              </a:rPr>
-              <a:t>&gt; data2;</a:t>
-            </a:r>
-            <a:br>
-              <a:rPr lang="en-US" sz="1800" dirty="0">
-                <a:latin typeface="Fira Code" panose="020B0509050000020004" pitchFamily="49" charset="0"/>
-                <a:ea typeface="Fira Code" panose="020B0509050000020004" pitchFamily="49" charset="0"/>
-              </a:rPr>
-            </a:br>
-            <a:r>
-              <a:rPr lang="en-US" sz="1800" dirty="0">
-                <a:latin typeface="Fira Code" panose="020B0509050000020004" pitchFamily="49" charset="0"/>
-                <a:ea typeface="Fira Code" panose="020B0509050000020004" pitchFamily="49" charset="0"/>
-              </a:rPr>
-              <a:t>     </a:t>
-            </a:r>
-            <a:r>
-              <a:rPr lang="en-US" sz="1800" dirty="0">
-                <a:solidFill>
-                  <a:srgbClr val="92D050"/>
-                </a:solidFill>
-                <a:latin typeface="Fira Code" panose="020B0509050000020004" pitchFamily="49" charset="0"/>
-                <a:ea typeface="Fira Code" panose="020B0509050000020004" pitchFamily="49" charset="0"/>
-              </a:rPr>
-              <a:t>// no compiler error !!</a:t>
-            </a:r>
-            <a:br>
-              <a:rPr lang="en-US" sz="1800" dirty="0">
-                <a:latin typeface="Fira Code" panose="020B0509050000020004" pitchFamily="49" charset="0"/>
-                <a:ea typeface="Fira Code" panose="020B0509050000020004" pitchFamily="49" charset="0"/>
-              </a:rPr>
-            </a:br>
-            <a:r>
-              <a:rPr lang="en-US" sz="1800" dirty="0">
-                <a:latin typeface="Fira Code" panose="020B0509050000020004" pitchFamily="49" charset="0"/>
-                <a:ea typeface="Fira Code" panose="020B0509050000020004" pitchFamily="49" charset="0"/>
-              </a:rPr>
-              <a:t>};</a:t>
-            </a:r>
-          </a:p>
-        </p:txBody>
-      </p:sp>
-    </p:spTree>
-    <p:extLst>
-      <p:ext uri="{BB962C8B-B14F-4D97-AF65-F5344CB8AC3E}">
-        <p14:creationId xmlns:p14="http://schemas.microsoft.com/office/powerpoint/2010/main" val="1083499416"/>
-      </p:ext>
-    </p:extLst>
-  </p:cSld>
-  <p:clrMapOvr>
-    <a:masterClrMapping/>
-  </p:clrMapOvr>
-</p:sld>
-</file>
-
-<file path=ppt/slides/slide5.xml><?xml version="1.0" encoding="utf-8"?>
-<p:sld xmlns:a="http://schemas.openxmlformats.org/drawingml/2006/main" xmlns:r="http://schemas.openxmlformats.org/officeDocument/2006/relationships" xmlns:p="http://schemas.openxmlformats.org/presentationml/2006/main">
-  <p:cSld>
-    <p:spTree>
-      <p:nvGrpSpPr>
-        <p:cNvPr id="1" name=""/>
-        <p:cNvGrpSpPr/>
-        <p:nvPr/>
-      </p:nvGrpSpPr>
-      <p:grpSpPr>
-        <a:xfrm>
-          <a:off x="0" y="0"/>
-          <a:ext cx="0" cy="0"/>
-          <a:chOff x="0" y="0"/>
-          <a:chExt cx="0" cy="0"/>
-        </a:xfrm>
-      </p:grpSpPr>
-      <p:sp>
-        <p:nvSpPr>
-          <p:cNvPr id="2" name="Title 1">
-            <a:extLst>
-              <a:ext uri="{FF2B5EF4-FFF2-40B4-BE49-F238E27FC236}">
-                <a16:creationId xmlns:a16="http://schemas.microsoft.com/office/drawing/2014/main" id="{09754562-D2A7-40F6-B066-AC5787208034}"/>
-              </a:ext>
-            </a:extLst>
-          </p:cNvPr>
-          <p:cNvSpPr>
-            <a:spLocks noGrp="1"/>
-          </p:cNvSpPr>
-          <p:nvPr>
-            <p:ph type="title"/>
-          </p:nvPr>
-        </p:nvSpPr>
-        <p:spPr/>
-        <p:txBody>
-          <a:bodyPr/>
-          <a:lstStyle/>
-          <a:p>
-            <a:r>
-              <a:rPr lang="en-US" dirty="0"/>
-              <a:t>Secondary Reason: Existing Practice</a:t>
-            </a:r>
-          </a:p>
-        </p:txBody>
-      </p:sp>
-      <p:sp>
-        <p:nvSpPr>
-          <p:cNvPr id="3" name="Slide Number Placeholder 2">
-            <a:extLst>
-              <a:ext uri="{FF2B5EF4-FFF2-40B4-BE49-F238E27FC236}">
-                <a16:creationId xmlns:a16="http://schemas.microsoft.com/office/drawing/2014/main" id="{D41C8335-979D-4163-962D-D16BFDA92A0D}"/>
-              </a:ext>
-            </a:extLst>
-          </p:cNvPr>
-          <p:cNvSpPr>
-            <a:spLocks noGrp="1"/>
-          </p:cNvSpPr>
-          <p:nvPr>
-            <p:ph type="sldNum" sz="quarter" idx="12"/>
-          </p:nvPr>
-        </p:nvSpPr>
-        <p:spPr/>
-        <p:txBody>
-          <a:bodyPr/>
-          <a:lstStyle/>
-          <a:p>
-            <a:fld id="{C263D6C4-4840-40CC-AC84-17E24B3B7BDE}" type="slidenum">
-              <a:rPr lang="en-GB" smtClean="0"/>
-              <a:pPr/>
-              <a:t>5</a:t>
-            </a:fld>
-            <a:endParaRPr lang="en-GB" dirty="0"/>
-          </a:p>
-        </p:txBody>
-      </p:sp>
-      <p:sp>
-        <p:nvSpPr>
-          <p:cNvPr id="4" name="Content Placeholder 3">
-            <a:extLst>
-              <a:ext uri="{FF2B5EF4-FFF2-40B4-BE49-F238E27FC236}">
-                <a16:creationId xmlns:a16="http://schemas.microsoft.com/office/drawing/2014/main" id="{A11777E1-E788-48DF-A870-881D084CAEC9}"/>
-              </a:ext>
-            </a:extLst>
-          </p:cNvPr>
-          <p:cNvSpPr>
-            <a:spLocks noGrp="1"/>
-          </p:cNvSpPr>
-          <p:nvPr>
-            <p:ph idx="1"/>
-          </p:nvPr>
-        </p:nvSpPr>
-        <p:spPr/>
-        <p:txBody>
-          <a:bodyPr/>
-          <a:lstStyle/>
-          <a:p>
-            <a:endParaRPr lang="en-US"/>
-          </a:p>
-        </p:txBody>
-      </p:sp>
-    </p:spTree>
-    <p:extLst>
-      <p:ext uri="{BB962C8B-B14F-4D97-AF65-F5344CB8AC3E}">
-        <p14:creationId xmlns:p14="http://schemas.microsoft.com/office/powerpoint/2010/main" val="640356213"/>
-      </p:ext>
-    </p:extLst>
-  </p:cSld>
-  <p:clrMapOvr>
-    <a:masterClrMapping/>
-  </p:clrMapOvr>
-</p:sld>
-</file>
-
-<file path=ppt/slides/slide6.xml><?xml version="1.0" encoding="utf-8"?>
+<file path=ppt/slides/slide11.xml><?xml version="1.0" encoding="utf-8"?>
 <p:sld xmlns:a="http://schemas.openxmlformats.org/drawingml/2006/main" xmlns:r="http://schemas.openxmlformats.org/officeDocument/2006/relationships" xmlns:p="http://schemas.openxmlformats.org/presentationml/2006/main">
   <p:cSld>
     <p:spTree>
@@ -25356,7 +24769,7 @@
             <a:fld id="{C263D6C4-4840-40CC-AC84-17E24B3B7BDE}" type="slidenum">
               <a:rPr lang="en-GB" smtClean="0"/>
               <a:pPr/>
-              <a:t>6</a:t>
+              <a:t>11</a:t>
             </a:fld>
             <a:endParaRPr lang="en-GB" dirty="0"/>
           </a:p>
@@ -25387,7 +24800,7 @@
 </p:sld>
 </file>
 
-<file path=ppt/slides/slide7.xml><?xml version="1.0" encoding="utf-8"?>
+<file path=ppt/slides/slide12.xml><?xml version="1.0" encoding="utf-8"?>
 <p:sld xmlns:a="http://schemas.openxmlformats.org/drawingml/2006/main" xmlns:r="http://schemas.openxmlformats.org/officeDocument/2006/relationships" xmlns:p="http://schemas.openxmlformats.org/presentationml/2006/main">
   <p:cSld>
     <p:spTree>
@@ -25456,7 +24869,7 @@
             <a:fld id="{C263D6C4-4840-40CC-AC84-17E24B3B7BDE}" type="slidenum">
               <a:rPr lang="en-GB" smtClean="0"/>
               <a:pPr/>
-              <a:t>7</a:t>
+              <a:t>12</a:t>
             </a:fld>
             <a:endParaRPr lang="en-GB" dirty="0"/>
           </a:p>
@@ -25542,7 +24955,7 @@
             <a:r>
               <a:rPr lang="en-US" sz="2000" dirty="0" err="1">
                 <a:solidFill>
-                  <a:schemeClr val="accent3">
+                  <a:schemeClr val="accent1">
                     <a:lumMod val="20000"/>
                     <a:lumOff val="80000"/>
                   </a:schemeClr>
@@ -25639,7 +25052,7 @@
             <a:r>
               <a:rPr lang="en-US" sz="1800" dirty="0">
                 <a:solidFill>
-                  <a:schemeClr val="accent3">
+                  <a:schemeClr val="accent1">
                     <a:lumMod val="20000"/>
                     <a:lumOff val="80000"/>
                   </a:schemeClr>
@@ -25695,7 +25108,7 @@
 </p:sld>
 </file>
 
-<file path=ppt/slides/slide8.xml><?xml version="1.0" encoding="utf-8"?>
+<file path=ppt/slides/slide13.xml><?xml version="1.0" encoding="utf-8"?>
 <p:sld xmlns:a="http://schemas.openxmlformats.org/drawingml/2006/main" xmlns:r="http://schemas.openxmlformats.org/officeDocument/2006/relationships" xmlns:p="http://schemas.openxmlformats.org/presentationml/2006/main">
   <p:cSld>
     <p:spTree>
@@ -25769,7 +25182,7 @@
             <a:fld id="{C263D6C4-4840-40CC-AC84-17E24B3B7BDE}" type="slidenum">
               <a:rPr lang="en-GB" smtClean="0"/>
               <a:pPr/>
-              <a:t>8</a:t>
+              <a:t>13</a:t>
             </a:fld>
             <a:endParaRPr lang="en-GB" dirty="0"/>
           </a:p>
@@ -25810,21 +25223,6 @@
           </a:p>
           <a:p>
             <a:pPr lvl="1"/>
-            <a:r>
-              <a:rPr lang="en-US" dirty="0"/>
-              <a:t>Helping paper: size feedback for operator new (p0979) will alleviate some of this and make it easier to implement std::</a:t>
-            </a:r>
-            <a:r>
-              <a:rPr lang="en-US" dirty="0" err="1"/>
-              <a:t>fam_size</a:t>
-            </a:r>
-            <a:r>
-              <a:rPr lang="en-US" dirty="0"/>
-              <a:t> constructors and friends</a:t>
-            </a:r>
-          </a:p>
-          <a:p>
-            <a:pPr lvl="1"/>
             <a:endParaRPr lang="en-US" dirty="0"/>
           </a:p>
           <a:p>
@@ -25836,12 +25234,8 @@
           <a:p>
             <a:pPr lvl="1"/>
             <a:r>
-              <a:rPr lang="en-US"/>
-              <a:t>just </a:t>
-            </a:r>
-            <a:r>
               <a:rPr lang="en-US" dirty="0"/>
-              <a:t>filled out with individually destroying the elements of the FAM</a:t>
+              <a:t>just filled out with individually destroying the elements of the FAM</a:t>
             </a:r>
           </a:p>
         </p:txBody>
@@ -25859,7 +25253,7 @@
 </p:sld>
 </file>
 
-<file path=ppt/slides/slide9.xml><?xml version="1.0" encoding="utf-8"?>
+<file path=ppt/slides/slide14.xml><?xml version="1.0" encoding="utf-8"?>
 <p:sld xmlns:a="http://schemas.openxmlformats.org/drawingml/2006/main" xmlns:r="http://schemas.openxmlformats.org/officeDocument/2006/relationships" xmlns:p="http://schemas.openxmlformats.org/presentationml/2006/main">
   <p:cSld>
     <p:spTree>
@@ -25899,7 +25293,7 @@
           <a:p>
             <a:r>
               <a:rPr lang="en-GB" dirty="0"/>
-              <a:t>Content Title</a:t>
+              <a:t>Impossible Difficulty: Ease of Use + Performance</a:t>
             </a:r>
           </a:p>
         </p:txBody>
@@ -25928,7 +25322,7 @@
             <a:fld id="{C263D6C4-4840-40CC-AC84-17E24B3B7BDE}" type="slidenum">
               <a:rPr lang="en-GB" smtClean="0"/>
               <a:pPr/>
-              <a:t>9</a:t>
+              <a:t>14</a:t>
             </a:fld>
             <a:endParaRPr lang="en-GB" dirty="0"/>
           </a:p>
@@ -25947,7 +25341,7 @@
             <a:spLocks noGrp="1"/>
           </p:cNvSpPr>
           <p:nvPr>
-            <p:ph type="body" sz="quarter" idx="1"/>
+            <p:ph idx="1"/>
           </p:nvPr>
         </p:nvSpPr>
         <p:spPr/>
@@ -25956,116 +25350,54 @@
           <a:lstStyle/>
           <a:p>
             <a:r>
-              <a:rPr lang="da-DK"/>
-              <a:t>Lorem ipsum dolor sit amet</a:t>
-            </a:r>
+              <a:rPr lang="en-GB" dirty="0"/>
+              <a:t>Constructor automatically initializes all array elements of the FAT.</a:t>
+            </a:r>
+          </a:p>
+          <a:p>
+            <a:pPr lvl="1"/>
+            <a:r>
+              <a:rPr lang="en-GB" dirty="0"/>
+              <a:t>Raw memory initialization and then manual emplacement of individual elements: back to where we started</a:t>
+            </a:r>
+          </a:p>
+          <a:p>
+            <a:pPr lvl="1"/>
+            <a:r>
+              <a:rPr lang="en-GB" dirty="0"/>
+              <a:t>Is there a constructor we can specify to not have to rewrite everything?</a:t>
+            </a:r>
+          </a:p>
+          <a:p>
+            <a:pPr lvl="1"/>
             <a:endParaRPr lang="en-GB" dirty="0"/>
           </a:p>
-        </p:txBody>
-      </p:sp>
-      <p:sp>
-        <p:nvSpPr>
-          <p:cNvPr id="5" name="Text Placeholder 4">
-            <a:extLst>
-              <a:ext uri="{FF2B5EF4-FFF2-40B4-BE49-F238E27FC236}">
-                <a16:creationId xmlns:a16="http://schemas.microsoft.com/office/drawing/2014/main" id="{E0C87788-476B-4620-8002-A5C1177AD6C1}"/>
-              </a:ext>
-            </a:extLst>
-          </p:cNvPr>
-          <p:cNvSpPr>
-            <a:spLocks noGrp="1"/>
-          </p:cNvSpPr>
-          <p:nvPr>
-            <p:ph type="body" sz="quarter" idx="3"/>
-          </p:nvPr>
-        </p:nvSpPr>
-        <p:spPr/>
-        <p:txBody>
-          <a:bodyPr/>
-          <a:lstStyle/>
-          <a:p>
-            <a:r>
-              <a:rPr lang="da-DK"/>
-              <a:t>Lorem ipsum dolor sit amet</a:t>
-            </a:r>
-            <a:endParaRPr lang="da-DK" dirty="0"/>
-          </a:p>
-        </p:txBody>
-      </p:sp>
-      <p:sp>
-        <p:nvSpPr>
-          <p:cNvPr id="8" name="Text Placeholder 7">
-            <a:extLst>
-              <a:ext uri="{FF2B5EF4-FFF2-40B4-BE49-F238E27FC236}">
-                <a16:creationId xmlns:a16="http://schemas.microsoft.com/office/drawing/2014/main" id="{47DC4E62-1A34-4F98-A451-214F1808519C}"/>
-              </a:ext>
-            </a:extLst>
-          </p:cNvPr>
-          <p:cNvSpPr>
-            <a:spLocks noGrp="1"/>
-          </p:cNvSpPr>
-          <p:nvPr>
-            <p:ph type="body" sz="quarter" idx="2"/>
-          </p:nvPr>
-        </p:nvSpPr>
-        <p:spPr/>
-        <p:txBody>
-          <a:bodyPr/>
-          <a:lstStyle/>
           <a:p>
             <a:r>
               <a:rPr lang="en-GB" dirty="0"/>
-              <a:t>Lorem ipsum dolor sit amet, consectetuer adipiscing elit. Maecenas porttitor congue massa. Fusce posuere, magna sed pulvinar ultricies, purus lectus malesuada libero, sit amet commodo magna eros quis urna. Nunc viverra imperdiet enim. Fusce est. Vivamus a tellus.</a:t>
-            </a:r>
-          </a:p>
-          <a:p>
+              <a:t>Should not solve for just FAMs?</a:t>
+            </a:r>
+          </a:p>
+          <a:p>
+            <a:pPr lvl="1"/>
             <a:r>
               <a:rPr lang="en-GB" dirty="0"/>
-              <a:t>Pellentesque habitant morbi tristique senectus et netus et malesuada fames ac turpis egestas. Proin pharetra nonummy pede. Mauris et orci.</a:t>
-            </a:r>
-          </a:p>
-          <a:p>
-            <a:endParaRPr lang="en-GB" dirty="0"/>
-          </a:p>
-          <a:p>
-            <a:endParaRPr lang="en-GB" dirty="0"/>
-          </a:p>
-        </p:txBody>
-      </p:sp>
-      <p:sp>
-        <p:nvSpPr>
-          <p:cNvPr id="6" name="Text Placeholder 5">
-            <a:extLst>
-              <a:ext uri="{FF2B5EF4-FFF2-40B4-BE49-F238E27FC236}">
-                <a16:creationId xmlns:a16="http://schemas.microsoft.com/office/drawing/2014/main" id="{000A9570-5EF6-4AFB-9FCA-7C8998E3FEB1}"/>
-              </a:ext>
-            </a:extLst>
-          </p:cNvPr>
-          <p:cNvSpPr>
-            <a:spLocks noGrp="1"/>
-          </p:cNvSpPr>
-          <p:nvPr>
-            <p:ph type="body" sz="quarter" idx="4"/>
-          </p:nvPr>
-        </p:nvSpPr>
-        <p:spPr/>
-        <p:txBody>
-          <a:bodyPr/>
-          <a:lstStyle/>
-          <a:p>
+              <a:t>Lots of types have problems with constructors member constructor syntax</a:t>
+            </a:r>
+          </a:p>
+          <a:p>
+            <a:pPr lvl="1"/>
             <a:r>
               <a:rPr lang="en-GB" dirty="0"/>
-              <a:t>Lorem ipsum dolor sit amet, consectetuer adipiscing elit. Maecenas porttitor congue massa. Fusce posuere, magna sed pulvinar ultricies, purus lectus malesuada libero, sit amet commodo magna eros quis urna. Nunc viverra imperdiet enim. Fusce est. Vivamus a tellus.</a:t>
-            </a:r>
-          </a:p>
-          <a:p>
+              <a:t>Need full expressivity of statements to fill in members of array</a:t>
+            </a:r>
+          </a:p>
+          <a:p>
+            <a:pPr lvl="1"/>
             <a:r>
               <a:rPr lang="en-GB" dirty="0"/>
-              <a:t>Pellentesque habitant morbi tristique senectus et netus et malesuada fames ac turpis egestas. Proin pharetra nonummy pede. Mauris et orci.</a:t>
-            </a:r>
-          </a:p>
-          <a:p>
-            <a:endParaRPr lang="en-GB" dirty="0"/>
+              <a:t>Solve for everyone: FAMs benefit?</a:t>
+            </a:r>
           </a:p>
         </p:txBody>
       </p:sp>
@@ -26091,6 +25423,2754 @@
       </p:transition>
     </mc:Fallback>
   </mc:AlternateContent>
+</p:sld>
+</file>
+
+<file path=ppt/slides/slide15.xml><?xml version="1.0" encoding="utf-8"?>
+<p:sld xmlns:a="http://schemas.openxmlformats.org/drawingml/2006/main" xmlns:r="http://schemas.openxmlformats.org/officeDocument/2006/relationships" xmlns:p="http://schemas.openxmlformats.org/presentationml/2006/main">
+  <p:cSld>
+    <p:spTree>
+      <p:nvGrpSpPr>
+        <p:cNvPr id="1" name=""/>
+        <p:cNvGrpSpPr/>
+        <p:nvPr/>
+      </p:nvGrpSpPr>
+      <p:grpSpPr>
+        <a:xfrm>
+          <a:off x="0" y="0"/>
+          <a:ext cx="0" cy="0"/>
+          <a:chOff x="0" y="0"/>
+          <a:chExt cx="0" cy="0"/>
+        </a:xfrm>
+      </p:grpSpPr>
+      <p:sp>
+        <p:nvSpPr>
+          <p:cNvPr id="2" name="Title 1">
+            <a:extLst>
+              <a:ext uri="{FF2B5EF4-FFF2-40B4-BE49-F238E27FC236}">
+                <a16:creationId xmlns:a16="http://schemas.microsoft.com/office/drawing/2014/main" id="{632BE5BF-9922-45FB-8F3F-4446D40A051B}"/>
+              </a:ext>
+            </a:extLst>
+          </p:cNvPr>
+          <p:cNvSpPr>
+            <a:spLocks noGrp="1"/>
+          </p:cNvSpPr>
+          <p:nvPr>
+            <p:ph type="ctrTitle"/>
+          </p:nvPr>
+        </p:nvSpPr>
+        <p:spPr/>
+        <p:txBody>
+          <a:bodyPr/>
+          <a:lstStyle/>
+          <a:p>
+            <a:r>
+              <a:rPr lang="en-US" dirty="0"/>
+              <a:t>Thank You!</a:t>
+            </a:r>
+            <a:endParaRPr lang="en-GB" dirty="0"/>
+          </a:p>
+        </p:txBody>
+      </p:sp>
+    </p:spTree>
+    <p:extLst>
+      <p:ext uri="{BB962C8B-B14F-4D97-AF65-F5344CB8AC3E}">
+        <p14:creationId xmlns:p14="http://schemas.microsoft.com/office/powerpoint/2010/main" val="44069682"/>
+      </p:ext>
+    </p:extLst>
+  </p:cSld>
+  <p:clrMapOvr>
+    <a:masterClrMapping/>
+  </p:clrMapOvr>
+  <p:transition spd="slow">
+    <p:wipe/>
+  </p:transition>
+</p:sld>
+</file>
+
+<file path=ppt/slides/slide2.xml><?xml version="1.0" encoding="utf-8"?>
+<p:sld xmlns:a="http://schemas.openxmlformats.org/drawingml/2006/main" xmlns:r="http://schemas.openxmlformats.org/officeDocument/2006/relationships" xmlns:p="http://schemas.openxmlformats.org/presentationml/2006/main">
+  <p:cSld>
+    <p:spTree>
+      <p:nvGrpSpPr>
+        <p:cNvPr id="1" name=""/>
+        <p:cNvGrpSpPr/>
+        <p:nvPr/>
+      </p:nvGrpSpPr>
+      <p:grpSpPr>
+        <a:xfrm>
+          <a:off x="0" y="0"/>
+          <a:ext cx="0" cy="0"/>
+          <a:chOff x="0" y="0"/>
+          <a:chExt cx="0" cy="0"/>
+        </a:xfrm>
+      </p:grpSpPr>
+      <p:sp>
+        <p:nvSpPr>
+          <p:cNvPr id="5" name="Title 4">
+            <a:extLst>
+              <a:ext uri="{FF2B5EF4-FFF2-40B4-BE49-F238E27FC236}">
+                <a16:creationId xmlns:a16="http://schemas.microsoft.com/office/drawing/2014/main" id="{0995D310-88D2-4C21-AA23-7403DBFFD978}"/>
+              </a:ext>
+            </a:extLst>
+          </p:cNvPr>
+          <p:cNvSpPr>
+            <a:spLocks noGrp="1"/>
+          </p:cNvSpPr>
+          <p:nvPr>
+            <p:ph type="title"/>
+          </p:nvPr>
+        </p:nvSpPr>
+        <p:spPr/>
+        <p:txBody>
+          <a:bodyPr/>
+          <a:lstStyle/>
+          <a:p>
+            <a:r>
+              <a:rPr lang="en-US" dirty="0"/>
+              <a:t>The Goal</a:t>
+            </a:r>
+          </a:p>
+        </p:txBody>
+      </p:sp>
+      <p:sp>
+        <p:nvSpPr>
+          <p:cNvPr id="3" name="Slide Number Placeholder 2">
+            <a:extLst>
+              <a:ext uri="{FF2B5EF4-FFF2-40B4-BE49-F238E27FC236}">
+                <a16:creationId xmlns:a16="http://schemas.microsoft.com/office/drawing/2014/main" id="{2E2A67A0-A8BB-427E-BBD7-024A7DD86046}"/>
+              </a:ext>
+            </a:extLst>
+          </p:cNvPr>
+          <p:cNvSpPr>
+            <a:spLocks noGrp="1"/>
+          </p:cNvSpPr>
+          <p:nvPr>
+            <p:ph type="sldNum" sz="quarter" idx="12"/>
+          </p:nvPr>
+        </p:nvSpPr>
+        <p:spPr/>
+        <p:txBody>
+          <a:bodyPr/>
+          <a:lstStyle/>
+          <a:p>
+            <a:fld id="{C263D6C4-4840-40CC-AC84-17E24B3B7BDE}" type="slidenum">
+              <a:rPr lang="en-GB" smtClean="0"/>
+              <a:pPr/>
+              <a:t>2</a:t>
+            </a:fld>
+            <a:endParaRPr lang="en-GB" dirty="0"/>
+          </a:p>
+        </p:txBody>
+      </p:sp>
+      <p:sp>
+        <p:nvSpPr>
+          <p:cNvPr id="6" name="Rectangle 5">
+            <a:extLst>
+              <a:ext uri="{FF2B5EF4-FFF2-40B4-BE49-F238E27FC236}">
+                <a16:creationId xmlns:a16="http://schemas.microsoft.com/office/drawing/2014/main" id="{B8EC4EEA-B79C-4055-853F-DAB15F9C6A84}"/>
+              </a:ext>
+            </a:extLst>
+          </p:cNvPr>
+          <p:cNvSpPr/>
+          <p:nvPr/>
+        </p:nvSpPr>
+        <p:spPr>
+          <a:xfrm>
+            <a:off x="1039456" y="1693421"/>
+            <a:ext cx="10024188" cy="4524315"/>
+          </a:xfrm>
+          <a:prstGeom prst="rect">
+            <a:avLst/>
+          </a:prstGeom>
+        </p:spPr>
+        <p:txBody>
+          <a:bodyPr wrap="square">
+            <a:spAutoFit/>
+          </a:bodyPr>
+          <a:lstStyle/>
+          <a:p>
+            <a:r>
+              <a:rPr lang="en-US" dirty="0">
+                <a:solidFill>
+                  <a:schemeClr val="bg1"/>
+                </a:solidFill>
+                <a:latin typeface="Fira Code" panose="020B0509050000020004" pitchFamily="49" charset="0"/>
+                <a:ea typeface="Fira Code" panose="020B0509050000020004" pitchFamily="49" charset="0"/>
+              </a:rPr>
+              <a:t>#include &lt;</a:t>
+            </a:r>
+            <a:r>
+              <a:rPr lang="en-US" dirty="0" err="1">
+                <a:solidFill>
+                  <a:schemeClr val="bg1"/>
+                </a:solidFill>
+                <a:latin typeface="Fira Code" panose="020B0509050000020004" pitchFamily="49" charset="0"/>
+                <a:ea typeface="Fira Code" panose="020B0509050000020004" pitchFamily="49" charset="0"/>
+              </a:rPr>
+              <a:t>cstddef</a:t>
+            </a:r>
+            <a:r>
+              <a:rPr lang="en-US" dirty="0">
+                <a:solidFill>
+                  <a:schemeClr val="bg1"/>
+                </a:solidFill>
+                <a:latin typeface="Fira Code" panose="020B0509050000020004" pitchFamily="49" charset="0"/>
+                <a:ea typeface="Fira Code" panose="020B0509050000020004" pitchFamily="49" charset="0"/>
+              </a:rPr>
+              <a:t>&gt;</a:t>
+            </a:r>
+          </a:p>
+          <a:p>
+            <a:r>
+              <a:rPr lang="en-US" dirty="0">
+                <a:solidFill>
+                  <a:schemeClr val="bg1"/>
+                </a:solidFill>
+                <a:latin typeface="Fira Code" panose="020B0509050000020004" pitchFamily="49" charset="0"/>
+                <a:ea typeface="Fira Code" panose="020B0509050000020004" pitchFamily="49" charset="0"/>
+              </a:rPr>
+              <a:t>#include &lt;fam&gt;</a:t>
+            </a:r>
+          </a:p>
+          <a:p>
+            <a:endParaRPr lang="en-US" dirty="0">
+              <a:solidFill>
+                <a:schemeClr val="bg1"/>
+              </a:solidFill>
+              <a:latin typeface="Fira Code" panose="020B0509050000020004" pitchFamily="49" charset="0"/>
+              <a:ea typeface="Fira Code" panose="020B0509050000020004" pitchFamily="49" charset="0"/>
+            </a:endParaRPr>
+          </a:p>
+          <a:p>
+            <a:r>
+              <a:rPr lang="en-US" dirty="0">
+                <a:solidFill>
+                  <a:schemeClr val="bg1"/>
+                </a:solidFill>
+                <a:latin typeface="Fira Code" panose="020B0509050000020004" pitchFamily="49" charset="0"/>
+                <a:ea typeface="Fira Code" panose="020B0509050000020004" pitchFamily="49" charset="0"/>
+              </a:rPr>
+              <a:t>struct </a:t>
+            </a:r>
+            <a:r>
+              <a:rPr lang="en-US" dirty="0" err="1">
+                <a:solidFill>
+                  <a:schemeClr val="accent3">
+                    <a:lumMod val="20000"/>
+                    <a:lumOff val="80000"/>
+                  </a:schemeClr>
+                </a:solidFill>
+                <a:latin typeface="Fira Code" panose="020B0509050000020004" pitchFamily="49" charset="0"/>
+                <a:ea typeface="Fira Code" panose="020B0509050000020004" pitchFamily="49" charset="0"/>
+              </a:rPr>
+              <a:t>id_list</a:t>
+            </a:r>
+            <a:r>
+              <a:rPr lang="en-US" dirty="0">
+                <a:solidFill>
+                  <a:schemeClr val="bg1"/>
+                </a:solidFill>
+                <a:latin typeface="Fira Code" panose="020B0509050000020004" pitchFamily="49" charset="0"/>
+                <a:ea typeface="Fira Code" panose="020B0509050000020004" pitchFamily="49" charset="0"/>
+              </a:rPr>
+              <a:t> {</a:t>
+            </a:r>
+          </a:p>
+          <a:p>
+            <a:r>
+              <a:rPr lang="en-US" dirty="0">
+                <a:solidFill>
+                  <a:schemeClr val="bg1"/>
+                </a:solidFill>
+                <a:latin typeface="Fira Code" panose="020B0509050000020004" pitchFamily="49" charset="0"/>
+                <a:ea typeface="Fira Code" panose="020B0509050000020004" pitchFamily="49" charset="0"/>
+              </a:rPr>
+              <a:t>	std::</a:t>
+            </a:r>
+            <a:r>
+              <a:rPr lang="en-US" dirty="0" err="1">
+                <a:solidFill>
+                  <a:schemeClr val="accent1">
+                    <a:lumMod val="20000"/>
+                    <a:lumOff val="80000"/>
+                  </a:schemeClr>
+                </a:solidFill>
+                <a:latin typeface="Fira Code" panose="020B0509050000020004" pitchFamily="49" charset="0"/>
+                <a:ea typeface="Fira Code" panose="020B0509050000020004" pitchFamily="49" charset="0"/>
+              </a:rPr>
+              <a:t>size_t</a:t>
+            </a:r>
+            <a:r>
+              <a:rPr lang="en-US" dirty="0">
+                <a:solidFill>
+                  <a:schemeClr val="accent1">
+                    <a:lumMod val="40000"/>
+                    <a:lumOff val="60000"/>
+                  </a:schemeClr>
+                </a:solidFill>
+                <a:latin typeface="Fira Code" panose="020B0509050000020004" pitchFamily="49" charset="0"/>
+                <a:ea typeface="Fira Code" panose="020B0509050000020004" pitchFamily="49" charset="0"/>
+              </a:rPr>
+              <a:t> </a:t>
+            </a:r>
+            <a:r>
+              <a:rPr lang="en-US" dirty="0" err="1">
+                <a:solidFill>
+                  <a:schemeClr val="bg1"/>
+                </a:solidFill>
+                <a:latin typeface="Fira Code" panose="020B0509050000020004" pitchFamily="49" charset="0"/>
+                <a:ea typeface="Fira Code" panose="020B0509050000020004" pitchFamily="49" charset="0"/>
+              </a:rPr>
+              <a:t>len</a:t>
+            </a:r>
+            <a:r>
+              <a:rPr lang="en-US" dirty="0">
+                <a:solidFill>
+                  <a:schemeClr val="bg1"/>
+                </a:solidFill>
+                <a:latin typeface="Fira Code" panose="020B0509050000020004" pitchFamily="49" charset="0"/>
+                <a:ea typeface="Fira Code" panose="020B0509050000020004" pitchFamily="49" charset="0"/>
+              </a:rPr>
+              <a:t>;</a:t>
+            </a:r>
+          </a:p>
+          <a:p>
+            <a:r>
+              <a:rPr lang="en-US" dirty="0">
+                <a:solidFill>
+                  <a:schemeClr val="bg1"/>
+                </a:solidFill>
+                <a:latin typeface="Fira Code" panose="020B0509050000020004" pitchFamily="49" charset="0"/>
+                <a:ea typeface="Fira Code" panose="020B0509050000020004" pitchFamily="49" charset="0"/>
+              </a:rPr>
+              <a:t>	std::</a:t>
+            </a:r>
+            <a:r>
+              <a:rPr lang="en-US" dirty="0">
+                <a:solidFill>
+                  <a:schemeClr val="accent3">
+                    <a:lumMod val="20000"/>
+                    <a:lumOff val="80000"/>
+                  </a:schemeClr>
+                </a:solidFill>
+                <a:latin typeface="Fira Code" panose="020B0509050000020004" pitchFamily="49" charset="0"/>
+                <a:ea typeface="Fira Code" panose="020B0509050000020004" pitchFamily="49" charset="0"/>
+              </a:rPr>
+              <a:t>string</a:t>
+            </a:r>
+            <a:r>
+              <a:rPr lang="en-US" dirty="0">
+                <a:solidFill>
+                  <a:schemeClr val="accent1">
+                    <a:lumMod val="20000"/>
+                    <a:lumOff val="80000"/>
+                  </a:schemeClr>
+                </a:solidFill>
+                <a:latin typeface="Fira Code" panose="020B0509050000020004" pitchFamily="49" charset="0"/>
+                <a:ea typeface="Fira Code" panose="020B0509050000020004" pitchFamily="49" charset="0"/>
+              </a:rPr>
+              <a:t> </a:t>
+            </a:r>
+            <a:r>
+              <a:rPr lang="en-US" dirty="0">
+                <a:solidFill>
+                  <a:schemeClr val="bg1"/>
+                </a:solidFill>
+                <a:latin typeface="Fira Code" panose="020B0509050000020004" pitchFamily="49" charset="0"/>
+                <a:ea typeface="Fira Code" panose="020B0509050000020004" pitchFamily="49" charset="0"/>
+              </a:rPr>
+              <a:t>names[];</a:t>
+            </a:r>
+          </a:p>
+          <a:p>
+            <a:endParaRPr lang="en-US" dirty="0">
+              <a:solidFill>
+                <a:schemeClr val="bg1"/>
+              </a:solidFill>
+              <a:latin typeface="Fira Code" panose="020B0509050000020004" pitchFamily="49" charset="0"/>
+              <a:ea typeface="Fira Code" panose="020B0509050000020004" pitchFamily="49" charset="0"/>
+            </a:endParaRPr>
+          </a:p>
+          <a:p>
+            <a:r>
+              <a:rPr lang="en-US" dirty="0">
+                <a:solidFill>
+                  <a:schemeClr val="bg1"/>
+                </a:solidFill>
+                <a:latin typeface="Fira Code" panose="020B0509050000020004" pitchFamily="49" charset="0"/>
+                <a:ea typeface="Fira Code" panose="020B0509050000020004" pitchFamily="49" charset="0"/>
+              </a:rPr>
+              <a:t>	</a:t>
+            </a:r>
+            <a:r>
+              <a:rPr lang="en-US" dirty="0" err="1">
+                <a:solidFill>
+                  <a:schemeClr val="accent3">
+                    <a:lumMod val="20000"/>
+                    <a:lumOff val="80000"/>
+                  </a:schemeClr>
+                </a:solidFill>
+                <a:latin typeface="Fira Code" panose="020B0509050000020004" pitchFamily="49" charset="0"/>
+                <a:ea typeface="Fira Code" panose="020B0509050000020004" pitchFamily="49" charset="0"/>
+              </a:rPr>
+              <a:t>id_list</a:t>
+            </a:r>
+            <a:r>
+              <a:rPr lang="en-US" dirty="0">
+                <a:solidFill>
+                  <a:schemeClr val="bg1"/>
+                </a:solidFill>
+                <a:latin typeface="Fira Code" panose="020B0509050000020004" pitchFamily="49" charset="0"/>
+                <a:ea typeface="Fira Code" panose="020B0509050000020004" pitchFamily="49" charset="0"/>
+              </a:rPr>
+              <a:t>(std::</a:t>
+            </a:r>
+            <a:r>
+              <a:rPr lang="en-US" dirty="0" err="1">
+                <a:solidFill>
+                  <a:schemeClr val="accent3">
+                    <a:lumMod val="20000"/>
+                    <a:lumOff val="80000"/>
+                  </a:schemeClr>
+                </a:solidFill>
+                <a:latin typeface="Fira Code" panose="020B0509050000020004" pitchFamily="49" charset="0"/>
+                <a:ea typeface="Fira Code" panose="020B0509050000020004" pitchFamily="49" charset="0"/>
+              </a:rPr>
+              <a:t>fam_size</a:t>
+            </a:r>
+            <a:r>
+              <a:rPr lang="en-US" dirty="0">
+                <a:solidFill>
+                  <a:schemeClr val="accent3">
+                    <a:lumMod val="20000"/>
+                    <a:lumOff val="80000"/>
+                  </a:schemeClr>
+                </a:solidFill>
+                <a:latin typeface="Fira Code" panose="020B0509050000020004" pitchFamily="49" charset="0"/>
+                <a:ea typeface="Fira Code" panose="020B0509050000020004" pitchFamily="49" charset="0"/>
+              </a:rPr>
+              <a:t> </a:t>
+            </a:r>
+            <a:r>
+              <a:rPr lang="en-US" dirty="0">
+                <a:solidFill>
+                  <a:schemeClr val="bg1"/>
+                </a:solidFill>
+                <a:latin typeface="Fira Code" panose="020B0509050000020004" pitchFamily="49" charset="0"/>
+                <a:ea typeface="Fira Code" panose="020B0509050000020004" pitchFamily="49" charset="0"/>
+              </a:rPr>
+              <a:t>fs) : </a:t>
+            </a:r>
+            <a:r>
+              <a:rPr lang="en-US" dirty="0" err="1">
+                <a:solidFill>
+                  <a:schemeClr val="bg1"/>
+                </a:solidFill>
+                <a:latin typeface="Fira Code" panose="020B0509050000020004" pitchFamily="49" charset="0"/>
+                <a:ea typeface="Fira Code" panose="020B0509050000020004" pitchFamily="49" charset="0"/>
+              </a:rPr>
+              <a:t>len</a:t>
+            </a:r>
+            <a:r>
+              <a:rPr lang="en-US" dirty="0">
+                <a:solidFill>
+                  <a:schemeClr val="bg1"/>
+                </a:solidFill>
+                <a:latin typeface="Fira Code" panose="020B0509050000020004" pitchFamily="49" charset="0"/>
+                <a:ea typeface="Fira Code" panose="020B0509050000020004" pitchFamily="49" charset="0"/>
+              </a:rPr>
+              <a:t>(</a:t>
+            </a:r>
+            <a:r>
+              <a:rPr lang="en-US" dirty="0" err="1">
+                <a:solidFill>
+                  <a:schemeClr val="bg1"/>
+                </a:solidFill>
+                <a:latin typeface="Fira Code" panose="020B0509050000020004" pitchFamily="49" charset="0"/>
+                <a:ea typeface="Fira Code" panose="020B0509050000020004" pitchFamily="49" charset="0"/>
+              </a:rPr>
+              <a:t>fs.size</a:t>
+            </a:r>
+            <a:r>
+              <a:rPr lang="en-US" dirty="0">
+                <a:solidFill>
+                  <a:schemeClr val="bg1"/>
+                </a:solidFill>
+                <a:latin typeface="Fira Code" panose="020B0509050000020004" pitchFamily="49" charset="0"/>
+                <a:ea typeface="Fira Code" panose="020B0509050000020004" pitchFamily="49" charset="0"/>
+              </a:rPr>
+              <a:t>()) {}</a:t>
+            </a:r>
+          </a:p>
+          <a:p>
+            <a:r>
+              <a:rPr lang="en-US" dirty="0">
+                <a:solidFill>
+                  <a:schemeClr val="bg1"/>
+                </a:solidFill>
+                <a:latin typeface="Fira Code" panose="020B0509050000020004" pitchFamily="49" charset="0"/>
+                <a:ea typeface="Fira Code" panose="020B0509050000020004" pitchFamily="49" charset="0"/>
+              </a:rPr>
+              <a:t>};</a:t>
+            </a:r>
+          </a:p>
+          <a:p>
+            <a:endParaRPr lang="en-US" dirty="0">
+              <a:solidFill>
+                <a:schemeClr val="bg1"/>
+              </a:solidFill>
+              <a:latin typeface="Fira Code" panose="020B0509050000020004" pitchFamily="49" charset="0"/>
+              <a:ea typeface="Fira Code" panose="020B0509050000020004" pitchFamily="49" charset="0"/>
+            </a:endParaRPr>
+          </a:p>
+          <a:p>
+            <a:r>
+              <a:rPr lang="en-US" dirty="0">
+                <a:solidFill>
+                  <a:schemeClr val="accent1">
+                    <a:lumMod val="20000"/>
+                    <a:lumOff val="80000"/>
+                  </a:schemeClr>
+                </a:solidFill>
+                <a:latin typeface="Fira Code" panose="020B0509050000020004" pitchFamily="49" charset="0"/>
+                <a:ea typeface="Fira Code" panose="020B0509050000020004" pitchFamily="49" charset="0"/>
+              </a:rPr>
+              <a:t>int </a:t>
+            </a:r>
+            <a:r>
+              <a:rPr lang="en-US" dirty="0">
+                <a:solidFill>
+                  <a:schemeClr val="bg1"/>
+                </a:solidFill>
+                <a:latin typeface="Fira Code" panose="020B0509050000020004" pitchFamily="49" charset="0"/>
+                <a:ea typeface="Fira Code" panose="020B0509050000020004" pitchFamily="49" charset="0"/>
+              </a:rPr>
+              <a:t>main(</a:t>
+            </a:r>
+            <a:r>
+              <a:rPr lang="en-US" dirty="0">
+                <a:solidFill>
+                  <a:schemeClr val="accent1">
+                    <a:lumMod val="20000"/>
+                    <a:lumOff val="80000"/>
+                  </a:schemeClr>
+                </a:solidFill>
+                <a:latin typeface="Fira Code" panose="020B0509050000020004" pitchFamily="49" charset="0"/>
+                <a:ea typeface="Fira Code" panose="020B0509050000020004" pitchFamily="49" charset="0"/>
+              </a:rPr>
+              <a:t>int</a:t>
+            </a:r>
+            <a:r>
+              <a:rPr lang="en-US" dirty="0">
+                <a:solidFill>
+                  <a:schemeClr val="bg1"/>
+                </a:solidFill>
+                <a:latin typeface="Fira Code" panose="020B0509050000020004" pitchFamily="49" charset="0"/>
+                <a:ea typeface="Fira Code" panose="020B0509050000020004" pitchFamily="49" charset="0"/>
+              </a:rPr>
+              <a:t>, </a:t>
+            </a:r>
+            <a:r>
+              <a:rPr lang="en-US" dirty="0">
+                <a:solidFill>
+                  <a:schemeClr val="accent1">
+                    <a:lumMod val="20000"/>
+                    <a:lumOff val="80000"/>
+                  </a:schemeClr>
+                </a:solidFill>
+                <a:latin typeface="Fira Code" panose="020B0509050000020004" pitchFamily="49" charset="0"/>
+                <a:ea typeface="Fira Code" panose="020B0509050000020004" pitchFamily="49" charset="0"/>
+              </a:rPr>
+              <a:t>char</a:t>
+            </a:r>
+            <a:r>
+              <a:rPr lang="en-US" dirty="0">
+                <a:solidFill>
+                  <a:schemeClr val="bg1"/>
+                </a:solidFill>
+                <a:latin typeface="Fira Code" panose="020B0509050000020004" pitchFamily="49" charset="0"/>
+                <a:ea typeface="Fira Code" panose="020B0509050000020004" pitchFamily="49" charset="0"/>
+              </a:rPr>
+              <a:t>* </a:t>
+            </a:r>
+            <a:r>
+              <a:rPr lang="en-US" dirty="0" err="1">
+                <a:solidFill>
+                  <a:schemeClr val="bg1"/>
+                </a:solidFill>
+                <a:latin typeface="Fira Code" panose="020B0509050000020004" pitchFamily="49" charset="0"/>
+                <a:ea typeface="Fira Code" panose="020B0509050000020004" pitchFamily="49" charset="0"/>
+              </a:rPr>
+              <a:t>args</a:t>
+            </a:r>
+            <a:r>
+              <a:rPr lang="en-US" dirty="0">
+                <a:solidFill>
+                  <a:schemeClr val="bg1"/>
+                </a:solidFill>
+                <a:latin typeface="Fira Code" panose="020B0509050000020004" pitchFamily="49" charset="0"/>
+                <a:ea typeface="Fira Code" panose="020B0509050000020004" pitchFamily="49" charset="0"/>
+              </a:rPr>
+              <a:t>[]) {</a:t>
+            </a:r>
+          </a:p>
+          <a:p>
+            <a:r>
+              <a:rPr lang="en-US" dirty="0">
+                <a:solidFill>
+                  <a:schemeClr val="bg1"/>
+                </a:solidFill>
+                <a:latin typeface="Fira Code" panose="020B0509050000020004" pitchFamily="49" charset="0"/>
+                <a:ea typeface="Fira Code" panose="020B0509050000020004" pitchFamily="49" charset="0"/>
+              </a:rPr>
+              <a:t>	std::</a:t>
+            </a:r>
+            <a:r>
+              <a:rPr lang="en-US" dirty="0" err="1">
+                <a:solidFill>
+                  <a:schemeClr val="accent1">
+                    <a:lumMod val="20000"/>
+                    <a:lumOff val="80000"/>
+                  </a:schemeClr>
+                </a:solidFill>
+                <a:latin typeface="Fira Code" panose="020B0509050000020004" pitchFamily="49" charset="0"/>
+                <a:ea typeface="Fira Code" panose="020B0509050000020004" pitchFamily="49" charset="0"/>
+              </a:rPr>
+              <a:t>size_t</a:t>
+            </a:r>
+            <a:r>
+              <a:rPr lang="en-US" dirty="0">
+                <a:solidFill>
+                  <a:schemeClr val="bg1"/>
+                </a:solidFill>
+                <a:latin typeface="Fira Code" panose="020B0509050000020004" pitchFamily="49" charset="0"/>
+                <a:ea typeface="Fira Code" panose="020B0509050000020004" pitchFamily="49" charset="0"/>
+              </a:rPr>
+              <a:t> num = </a:t>
+            </a:r>
+            <a:r>
+              <a:rPr lang="en-US" dirty="0" err="1">
+                <a:solidFill>
+                  <a:schemeClr val="bg1"/>
+                </a:solidFill>
+                <a:latin typeface="Fira Code" panose="020B0509050000020004" pitchFamily="49" charset="0"/>
+                <a:ea typeface="Fira Code" panose="020B0509050000020004" pitchFamily="49" charset="0"/>
+              </a:rPr>
+              <a:t>compute_size</a:t>
+            </a:r>
+            <a:r>
+              <a:rPr lang="en-US" dirty="0">
+                <a:solidFill>
+                  <a:schemeClr val="bg1"/>
+                </a:solidFill>
+                <a:latin typeface="Fira Code" panose="020B0509050000020004" pitchFamily="49" charset="0"/>
+                <a:ea typeface="Fira Code" panose="020B0509050000020004" pitchFamily="49" charset="0"/>
+              </a:rPr>
+              <a:t>(</a:t>
+            </a:r>
+            <a:r>
+              <a:rPr lang="en-US" dirty="0" err="1">
+                <a:solidFill>
+                  <a:schemeClr val="bg1"/>
+                </a:solidFill>
+                <a:latin typeface="Fira Code" panose="020B0509050000020004" pitchFamily="49" charset="0"/>
+                <a:ea typeface="Fira Code" panose="020B0509050000020004" pitchFamily="49" charset="0"/>
+              </a:rPr>
+              <a:t>args</a:t>
+            </a:r>
+            <a:r>
+              <a:rPr lang="en-US" dirty="0">
+                <a:solidFill>
+                  <a:schemeClr val="bg1"/>
+                </a:solidFill>
+                <a:latin typeface="Fira Code" panose="020B0509050000020004" pitchFamily="49" charset="0"/>
+                <a:ea typeface="Fira Code" panose="020B0509050000020004" pitchFamily="49" charset="0"/>
+              </a:rPr>
+              <a:t>);</a:t>
+            </a:r>
+          </a:p>
+          <a:p>
+            <a:r>
+              <a:rPr lang="en-US" dirty="0">
+                <a:solidFill>
+                  <a:schemeClr val="bg1"/>
+                </a:solidFill>
+                <a:latin typeface="Fira Code" panose="020B0509050000020004" pitchFamily="49" charset="0"/>
+                <a:ea typeface="Fira Code" panose="020B0509050000020004" pitchFamily="49" charset="0"/>
+              </a:rPr>
+              <a:t>	</a:t>
+            </a:r>
+            <a:r>
+              <a:rPr lang="en-US" dirty="0" err="1">
+                <a:solidFill>
+                  <a:schemeClr val="accent3">
+                    <a:lumMod val="20000"/>
+                    <a:lumOff val="80000"/>
+                  </a:schemeClr>
+                </a:solidFill>
+                <a:latin typeface="Fira Code" panose="020B0509050000020004" pitchFamily="49" charset="0"/>
+                <a:ea typeface="Fira Code" panose="020B0509050000020004" pitchFamily="49" charset="0"/>
+              </a:rPr>
+              <a:t>id_list</a:t>
+            </a:r>
+            <a:r>
+              <a:rPr lang="en-US" dirty="0">
+                <a:solidFill>
+                  <a:schemeClr val="accent3">
+                    <a:lumMod val="20000"/>
+                    <a:lumOff val="80000"/>
+                  </a:schemeClr>
+                </a:solidFill>
+                <a:latin typeface="Fira Code" panose="020B0509050000020004" pitchFamily="49" charset="0"/>
+                <a:ea typeface="Fira Code" panose="020B0509050000020004" pitchFamily="49" charset="0"/>
+              </a:rPr>
+              <a:t> </a:t>
+            </a:r>
+            <a:r>
+              <a:rPr lang="en-US" dirty="0">
+                <a:solidFill>
+                  <a:schemeClr val="bg1"/>
+                </a:solidFill>
+                <a:latin typeface="Fira Code" panose="020B0509050000020004" pitchFamily="49" charset="0"/>
+                <a:ea typeface="Fira Code" panose="020B0509050000020004" pitchFamily="49" charset="0"/>
+              </a:rPr>
+              <a:t>list(std::</a:t>
+            </a:r>
+            <a:r>
+              <a:rPr lang="en-US" dirty="0" err="1">
+                <a:solidFill>
+                  <a:schemeClr val="accent3">
+                    <a:lumMod val="20000"/>
+                    <a:lumOff val="80000"/>
+                  </a:schemeClr>
+                </a:solidFill>
+                <a:latin typeface="Fira Code" panose="020B0509050000020004" pitchFamily="49" charset="0"/>
+                <a:ea typeface="Fira Code" panose="020B0509050000020004" pitchFamily="49" charset="0"/>
+              </a:rPr>
+              <a:t>fam_size</a:t>
+            </a:r>
+            <a:r>
+              <a:rPr lang="en-US" dirty="0">
+                <a:solidFill>
+                  <a:schemeClr val="bg1"/>
+                </a:solidFill>
+                <a:latin typeface="Fira Code" panose="020B0509050000020004" pitchFamily="49" charset="0"/>
+                <a:ea typeface="Fira Code" panose="020B0509050000020004" pitchFamily="49" charset="0"/>
+              </a:rPr>
+              <a:t>(num));</a:t>
+            </a:r>
+          </a:p>
+          <a:p>
+            <a:r>
+              <a:rPr lang="en-US" dirty="0">
+                <a:solidFill>
+                  <a:schemeClr val="bg1"/>
+                </a:solidFill>
+                <a:latin typeface="Fira Code" panose="020B0509050000020004" pitchFamily="49" charset="0"/>
+                <a:ea typeface="Fira Code" panose="020B0509050000020004" pitchFamily="49" charset="0"/>
+              </a:rPr>
+              <a:t>	</a:t>
+            </a:r>
+            <a:r>
+              <a:rPr lang="en-US" dirty="0">
+                <a:solidFill>
+                  <a:srgbClr val="92D050"/>
+                </a:solidFill>
+                <a:latin typeface="Fira Code" panose="020B0509050000020004" pitchFamily="49" charset="0"/>
+                <a:ea typeface="Fira Code" panose="020B0509050000020004" pitchFamily="49" charset="0"/>
+              </a:rPr>
+              <a:t>/* one allocation: use! */</a:t>
+            </a:r>
+          </a:p>
+          <a:p>
+            <a:r>
+              <a:rPr lang="en-US" dirty="0">
+                <a:solidFill>
+                  <a:schemeClr val="bg1"/>
+                </a:solidFill>
+                <a:latin typeface="Fira Code" panose="020B0509050000020004" pitchFamily="49" charset="0"/>
+                <a:ea typeface="Fira Code" panose="020B0509050000020004" pitchFamily="49" charset="0"/>
+              </a:rPr>
+              <a:t>	</a:t>
+            </a:r>
+            <a:r>
+              <a:rPr lang="en-US" dirty="0">
+                <a:solidFill>
+                  <a:schemeClr val="accent6">
+                    <a:lumMod val="60000"/>
+                    <a:lumOff val="40000"/>
+                  </a:schemeClr>
+                </a:solidFill>
+                <a:latin typeface="Fira Code" panose="020B0509050000020004" pitchFamily="49" charset="0"/>
+                <a:ea typeface="Fira Code" panose="020B0509050000020004" pitchFamily="49" charset="0"/>
+              </a:rPr>
+              <a:t>return</a:t>
+            </a:r>
+            <a:r>
+              <a:rPr lang="en-US" dirty="0">
+                <a:solidFill>
+                  <a:schemeClr val="bg1"/>
+                </a:solidFill>
+                <a:latin typeface="Fira Code" panose="020B0509050000020004" pitchFamily="49" charset="0"/>
+                <a:ea typeface="Fira Code" panose="020B0509050000020004" pitchFamily="49" charset="0"/>
+              </a:rPr>
+              <a:t> </a:t>
+            </a:r>
+            <a:r>
+              <a:rPr lang="en-US" dirty="0">
+                <a:solidFill>
+                  <a:srgbClr val="FFC000"/>
+                </a:solidFill>
+                <a:latin typeface="Fira Code" panose="020B0509050000020004" pitchFamily="49" charset="0"/>
+                <a:ea typeface="Fira Code" panose="020B0509050000020004" pitchFamily="49" charset="0"/>
+              </a:rPr>
+              <a:t>0</a:t>
+            </a:r>
+            <a:r>
+              <a:rPr lang="en-US" dirty="0">
+                <a:solidFill>
+                  <a:schemeClr val="bg1"/>
+                </a:solidFill>
+                <a:latin typeface="Fira Code" panose="020B0509050000020004" pitchFamily="49" charset="0"/>
+                <a:ea typeface="Fira Code" panose="020B0509050000020004" pitchFamily="49" charset="0"/>
+              </a:rPr>
+              <a:t>;</a:t>
+            </a:r>
+          </a:p>
+          <a:p>
+            <a:r>
+              <a:rPr lang="en-US" dirty="0">
+                <a:solidFill>
+                  <a:schemeClr val="bg1"/>
+                </a:solidFill>
+                <a:latin typeface="Fira Code" panose="020B0509050000020004" pitchFamily="49" charset="0"/>
+                <a:ea typeface="Fira Code" panose="020B0509050000020004" pitchFamily="49" charset="0"/>
+              </a:rPr>
+              <a:t>}</a:t>
+            </a:r>
+          </a:p>
+        </p:txBody>
+      </p:sp>
+    </p:spTree>
+    <p:extLst>
+      <p:ext uri="{BB962C8B-B14F-4D97-AF65-F5344CB8AC3E}">
+        <p14:creationId xmlns:p14="http://schemas.microsoft.com/office/powerpoint/2010/main" val="1311376446"/>
+      </p:ext>
+    </p:extLst>
+  </p:cSld>
+  <p:clrMapOvr>
+    <a:masterClrMapping/>
+  </p:clrMapOvr>
+</p:sld>
+</file>
+
+<file path=ppt/slides/slide3.xml><?xml version="1.0" encoding="utf-8"?>
+<p:sld xmlns:a="http://schemas.openxmlformats.org/drawingml/2006/main" xmlns:r="http://schemas.openxmlformats.org/officeDocument/2006/relationships" xmlns:p="http://schemas.openxmlformats.org/presentationml/2006/main">
+  <p:cSld>
+    <p:spTree>
+      <p:nvGrpSpPr>
+        <p:cNvPr id="1" name=""/>
+        <p:cNvGrpSpPr/>
+        <p:nvPr/>
+      </p:nvGrpSpPr>
+      <p:grpSpPr>
+        <a:xfrm>
+          <a:off x="0" y="0"/>
+          <a:ext cx="0" cy="0"/>
+          <a:chOff x="0" y="0"/>
+          <a:chExt cx="0" cy="0"/>
+        </a:xfrm>
+      </p:grpSpPr>
+      <p:sp>
+        <p:nvSpPr>
+          <p:cNvPr id="4" name="Title 3">
+            <a:extLst>
+              <a:ext uri="{FF2B5EF4-FFF2-40B4-BE49-F238E27FC236}">
+                <a16:creationId xmlns:a16="http://schemas.microsoft.com/office/drawing/2014/main" id="{E3BD8413-C238-49D7-A4E1-E8FEF1811A0E}"/>
+              </a:ext>
+            </a:extLst>
+          </p:cNvPr>
+          <p:cNvSpPr>
+            <a:spLocks noGrp="1"/>
+          </p:cNvSpPr>
+          <p:nvPr>
+            <p:ph type="title"/>
+          </p:nvPr>
+        </p:nvSpPr>
+        <p:spPr/>
+        <p:txBody>
+          <a:bodyPr/>
+          <a:lstStyle/>
+          <a:p>
+            <a:r>
+              <a:rPr lang="en-US" dirty="0"/>
+              <a:t>Why FAMs?</a:t>
+            </a:r>
+            <a:endParaRPr lang="en-GB" dirty="0"/>
+          </a:p>
+        </p:txBody>
+      </p:sp>
+      <p:sp>
+        <p:nvSpPr>
+          <p:cNvPr id="5" name="Text Placeholder 4">
+            <a:extLst>
+              <a:ext uri="{FF2B5EF4-FFF2-40B4-BE49-F238E27FC236}">
+                <a16:creationId xmlns:a16="http://schemas.microsoft.com/office/drawing/2014/main" id="{0A95F4DE-39B7-4CE2-BC1E-8B8AE662A895}"/>
+              </a:ext>
+            </a:extLst>
+          </p:cNvPr>
+          <p:cNvSpPr>
+            <a:spLocks noGrp="1"/>
+          </p:cNvSpPr>
+          <p:nvPr>
+            <p:ph type="body" idx="1"/>
+          </p:nvPr>
+        </p:nvSpPr>
+        <p:spPr/>
+        <p:txBody>
+          <a:bodyPr/>
+          <a:lstStyle/>
+          <a:p>
+            <a:r>
+              <a:rPr lang="en-US" dirty="0"/>
+              <a:t>Efficiency and Ease-of-Use</a:t>
+            </a:r>
+            <a:endParaRPr lang="en-GB" dirty="0"/>
+          </a:p>
+        </p:txBody>
+      </p:sp>
+      <p:sp>
+        <p:nvSpPr>
+          <p:cNvPr id="2" name="Slide Number Placeholder 1">
+            <a:extLst>
+              <a:ext uri="{FF2B5EF4-FFF2-40B4-BE49-F238E27FC236}">
+                <a16:creationId xmlns:a16="http://schemas.microsoft.com/office/drawing/2014/main" id="{0B24BF10-2B55-43AB-9F77-F1A1410384A9}"/>
+              </a:ext>
+            </a:extLst>
+          </p:cNvPr>
+          <p:cNvSpPr>
+            <a:spLocks noGrp="1"/>
+          </p:cNvSpPr>
+          <p:nvPr>
+            <p:ph type="sldNum" sz="quarter" idx="12"/>
+          </p:nvPr>
+        </p:nvSpPr>
+        <p:spPr/>
+        <p:txBody>
+          <a:bodyPr/>
+          <a:lstStyle/>
+          <a:p>
+            <a:fld id="{C263D6C4-4840-40CC-AC84-17E24B3B7BDE}" type="slidenum">
+              <a:rPr lang="en-GB" smtClean="0"/>
+              <a:pPr/>
+              <a:t>3</a:t>
+            </a:fld>
+            <a:endParaRPr lang="en-GB" dirty="0"/>
+          </a:p>
+        </p:txBody>
+      </p:sp>
+    </p:spTree>
+    <p:extLst>
+      <p:ext uri="{BB962C8B-B14F-4D97-AF65-F5344CB8AC3E}">
+        <p14:creationId xmlns:p14="http://schemas.microsoft.com/office/powerpoint/2010/main" val="2902794312"/>
+      </p:ext>
+    </p:extLst>
+  </p:cSld>
+  <p:clrMapOvr>
+    <a:masterClrMapping/>
+  </p:clrMapOvr>
+  <mc:AlternateContent xmlns:mc="http://schemas.openxmlformats.org/markup-compatibility/2006" xmlns:p14="http://schemas.microsoft.com/office/powerpoint/2010/main">
+    <mc:Choice Requires="p14">
+      <p:transition spd="med" p14:dur="700">
+        <p:fade/>
+      </p:transition>
+    </mc:Choice>
+    <mc:Fallback xmlns="">
+      <p:transition spd="med">
+        <p:fade/>
+      </p:transition>
+    </mc:Fallback>
+  </mc:AlternateContent>
+</p:sld>
+</file>
+
+<file path=ppt/slides/slide4.xml><?xml version="1.0" encoding="utf-8"?>
+<p:sld xmlns:a="http://schemas.openxmlformats.org/drawingml/2006/main" xmlns:r="http://schemas.openxmlformats.org/officeDocument/2006/relationships" xmlns:p="http://schemas.openxmlformats.org/presentationml/2006/main">
+  <p:cSld>
+    <p:spTree>
+      <p:nvGrpSpPr>
+        <p:cNvPr id="1" name=""/>
+        <p:cNvGrpSpPr/>
+        <p:nvPr/>
+      </p:nvGrpSpPr>
+      <p:grpSpPr>
+        <a:xfrm>
+          <a:off x="0" y="0"/>
+          <a:ext cx="0" cy="0"/>
+          <a:chOff x="0" y="0"/>
+          <a:chExt cx="0" cy="0"/>
+        </a:xfrm>
+      </p:grpSpPr>
+      <p:sp>
+        <p:nvSpPr>
+          <p:cNvPr id="5" name="Title 4">
+            <a:extLst>
+              <a:ext uri="{FF2B5EF4-FFF2-40B4-BE49-F238E27FC236}">
+                <a16:creationId xmlns:a16="http://schemas.microsoft.com/office/drawing/2014/main" id="{BC1ECF8B-5D19-414F-B33C-A5147A1A7719}"/>
+              </a:ext>
+            </a:extLst>
+          </p:cNvPr>
+          <p:cNvSpPr>
+            <a:spLocks noGrp="1"/>
+          </p:cNvSpPr>
+          <p:nvPr>
+            <p:ph type="title"/>
+          </p:nvPr>
+        </p:nvSpPr>
+        <p:spPr/>
+        <p:txBody>
+          <a:bodyPr/>
+          <a:lstStyle/>
+          <a:p>
+            <a:r>
+              <a:rPr lang="en-US" dirty="0"/>
+              <a:t>Primary Reason: Efficiency</a:t>
+            </a:r>
+          </a:p>
+        </p:txBody>
+      </p:sp>
+      <p:sp>
+        <p:nvSpPr>
+          <p:cNvPr id="3" name="Slide Number Placeholder 2">
+            <a:extLst>
+              <a:ext uri="{FF2B5EF4-FFF2-40B4-BE49-F238E27FC236}">
+                <a16:creationId xmlns:a16="http://schemas.microsoft.com/office/drawing/2014/main" id="{11AEEA97-3637-4E02-BDED-EF0CB736B78D}"/>
+              </a:ext>
+            </a:extLst>
+          </p:cNvPr>
+          <p:cNvSpPr>
+            <a:spLocks noGrp="1"/>
+          </p:cNvSpPr>
+          <p:nvPr>
+            <p:ph type="sldNum" sz="quarter" idx="12"/>
+          </p:nvPr>
+        </p:nvSpPr>
+        <p:spPr/>
+        <p:txBody>
+          <a:bodyPr/>
+          <a:lstStyle/>
+          <a:p>
+            <a:fld id="{C263D6C4-4840-40CC-AC84-17E24B3B7BDE}" type="slidenum">
+              <a:rPr lang="en-GB" smtClean="0"/>
+              <a:pPr/>
+              <a:t>4</a:t>
+            </a:fld>
+            <a:endParaRPr lang="en-GB" dirty="0"/>
+          </a:p>
+        </p:txBody>
+      </p:sp>
+      <p:sp>
+        <p:nvSpPr>
+          <p:cNvPr id="6" name="Content Placeholder 5">
+            <a:extLst>
+              <a:ext uri="{FF2B5EF4-FFF2-40B4-BE49-F238E27FC236}">
+                <a16:creationId xmlns:a16="http://schemas.microsoft.com/office/drawing/2014/main" id="{B7021C7C-1D1A-4933-8EAB-CA092CABE808}"/>
+              </a:ext>
+            </a:extLst>
+          </p:cNvPr>
+          <p:cNvSpPr>
+            <a:spLocks noGrp="1"/>
+          </p:cNvSpPr>
+          <p:nvPr>
+            <p:ph idx="1"/>
+          </p:nvPr>
+        </p:nvSpPr>
+        <p:spPr/>
+        <p:txBody>
+          <a:bodyPr/>
+          <a:lstStyle/>
+          <a:p>
+            <a:r>
+              <a:rPr lang="en-US" dirty="0"/>
+              <a:t>C++ is leaving room for a lower-level language, C</a:t>
+            </a:r>
+          </a:p>
+          <a:p>
+            <a:pPr lvl="1"/>
+            <a:r>
+              <a:rPr lang="en-US" dirty="0"/>
+              <a:t>No way to type-safely allocate a (header) structure + its data</a:t>
+            </a:r>
+          </a:p>
+          <a:p>
+            <a:pPr lvl="1"/>
+            <a:endParaRPr lang="en-US" dirty="0"/>
+          </a:p>
+          <a:p>
+            <a:r>
+              <a:rPr lang="en-US" dirty="0"/>
+              <a:t>Double-allocating is a non-starter in critical applications</a:t>
+            </a:r>
+          </a:p>
+          <a:p>
+            <a:pPr lvl="1"/>
+            <a:r>
+              <a:rPr lang="en-US" dirty="0"/>
+              <a:t>Impossible for C++ to model many in-line structures without hacks or much error-prone manual handling</a:t>
+            </a:r>
+          </a:p>
+        </p:txBody>
+      </p:sp>
+    </p:spTree>
+    <p:extLst>
+      <p:ext uri="{BB962C8B-B14F-4D97-AF65-F5344CB8AC3E}">
+        <p14:creationId xmlns:p14="http://schemas.microsoft.com/office/powerpoint/2010/main" val="1097410801"/>
+      </p:ext>
+    </p:extLst>
+  </p:cSld>
+  <p:clrMapOvr>
+    <a:masterClrMapping/>
+  </p:clrMapOvr>
+</p:sld>
+</file>
+
+<file path=ppt/slides/slide5.xml><?xml version="1.0" encoding="utf-8"?>
+<p:sld xmlns:a="http://schemas.openxmlformats.org/drawingml/2006/main" xmlns:r="http://schemas.openxmlformats.org/officeDocument/2006/relationships" xmlns:p="http://schemas.openxmlformats.org/presentationml/2006/main">
+  <p:cSld>
+    <p:spTree>
+      <p:nvGrpSpPr>
+        <p:cNvPr id="1" name=""/>
+        <p:cNvGrpSpPr/>
+        <p:nvPr/>
+      </p:nvGrpSpPr>
+      <p:grpSpPr>
+        <a:xfrm>
+          <a:off x="0" y="0"/>
+          <a:ext cx="0" cy="0"/>
+          <a:chOff x="0" y="0"/>
+          <a:chExt cx="0" cy="0"/>
+        </a:xfrm>
+      </p:grpSpPr>
+      <p:sp>
+        <p:nvSpPr>
+          <p:cNvPr id="2" name="Title 1">
+            <a:extLst>
+              <a:ext uri="{FF2B5EF4-FFF2-40B4-BE49-F238E27FC236}">
+                <a16:creationId xmlns:a16="http://schemas.microsoft.com/office/drawing/2014/main" id="{F8E008CF-48BC-4A62-B888-6724B9FEA59B}"/>
+              </a:ext>
+            </a:extLst>
+          </p:cNvPr>
+          <p:cNvSpPr>
+            <a:spLocks noGrp="1"/>
+          </p:cNvSpPr>
+          <p:nvPr>
+            <p:ph type="title"/>
+          </p:nvPr>
+        </p:nvSpPr>
+        <p:spPr/>
+        <p:txBody>
+          <a:bodyPr/>
+          <a:lstStyle/>
+          <a:p>
+            <a:r>
+              <a:rPr lang="en-US" dirty="0"/>
+              <a:t>Primary Reason: Type Safety</a:t>
+            </a:r>
+          </a:p>
+        </p:txBody>
+      </p:sp>
+      <p:sp>
+        <p:nvSpPr>
+          <p:cNvPr id="3" name="Slide Number Placeholder 2">
+            <a:extLst>
+              <a:ext uri="{FF2B5EF4-FFF2-40B4-BE49-F238E27FC236}">
+                <a16:creationId xmlns:a16="http://schemas.microsoft.com/office/drawing/2014/main" id="{25D73F35-EE17-4654-A8C4-0AB1A76EF25E}"/>
+              </a:ext>
+            </a:extLst>
+          </p:cNvPr>
+          <p:cNvSpPr>
+            <a:spLocks noGrp="1"/>
+          </p:cNvSpPr>
+          <p:nvPr>
+            <p:ph type="sldNum" sz="quarter" idx="12"/>
+          </p:nvPr>
+        </p:nvSpPr>
+        <p:spPr/>
+        <p:txBody>
+          <a:bodyPr/>
+          <a:lstStyle/>
+          <a:p>
+            <a:fld id="{C263D6C4-4840-40CC-AC84-17E24B3B7BDE}" type="slidenum">
+              <a:rPr lang="en-GB" smtClean="0"/>
+              <a:pPr/>
+              <a:t>5</a:t>
+            </a:fld>
+            <a:endParaRPr lang="en-GB" dirty="0"/>
+          </a:p>
+        </p:txBody>
+      </p:sp>
+      <p:sp>
+        <p:nvSpPr>
+          <p:cNvPr id="4" name="Content Placeholder 3">
+            <a:extLst>
+              <a:ext uri="{FF2B5EF4-FFF2-40B4-BE49-F238E27FC236}">
+                <a16:creationId xmlns:a16="http://schemas.microsoft.com/office/drawing/2014/main" id="{B18C8899-C45A-40B1-ADB6-4EADFBC4E89D}"/>
+              </a:ext>
+            </a:extLst>
+          </p:cNvPr>
+          <p:cNvSpPr>
+            <a:spLocks noGrp="1"/>
+          </p:cNvSpPr>
+          <p:nvPr>
+            <p:ph idx="1"/>
+          </p:nvPr>
+        </p:nvSpPr>
+        <p:spPr/>
+        <p:txBody>
+          <a:bodyPr/>
+          <a:lstStyle/>
+          <a:p>
+            <a:r>
+              <a:rPr lang="en-US" dirty="0"/>
+              <a:t>Tail-allocated data structures are violently unsafe in C</a:t>
+            </a:r>
+          </a:p>
+          <a:p>
+            <a:pPr lvl="1"/>
+            <a:r>
+              <a:rPr lang="en-US" dirty="0"/>
+              <a:t>Malloc-based</a:t>
+            </a:r>
+          </a:p>
+          <a:p>
+            <a:pPr lvl="1"/>
+            <a:r>
+              <a:rPr lang="en-US" dirty="0"/>
+              <a:t>Allocate and pray the byte size is correct</a:t>
+            </a:r>
+          </a:p>
+          <a:p>
+            <a:pPr lvl="1"/>
+            <a:r>
+              <a:rPr lang="en-US" dirty="0"/>
+              <a:t>Properly manage every access to it and more</a:t>
+            </a:r>
+          </a:p>
+          <a:p>
+            <a:pPr lvl="1"/>
+            <a:endParaRPr lang="en-US" dirty="0"/>
+          </a:p>
+          <a:p>
+            <a:r>
+              <a:rPr lang="en-US" dirty="0"/>
+              <a:t>Library-only data structure of </a:t>
+            </a:r>
+            <a:r>
+              <a:rPr lang="en-US" sz="2000" dirty="0" err="1">
+                <a:solidFill>
+                  <a:schemeClr val="accent3">
+                    <a:lumMod val="20000"/>
+                    <a:lumOff val="80000"/>
+                  </a:schemeClr>
+                </a:solidFill>
+                <a:latin typeface="Fira Code" panose="020B0509050000020004" pitchFamily="49" charset="0"/>
+                <a:ea typeface="Fira Code" panose="020B0509050000020004" pitchFamily="49" charset="0"/>
+              </a:rPr>
+              <a:t>tail_allocated</a:t>
+            </a:r>
+            <a:r>
+              <a:rPr lang="en-US" sz="2000" dirty="0">
+                <a:latin typeface="Fira Code" panose="020B0509050000020004" pitchFamily="49" charset="0"/>
+                <a:ea typeface="Fira Code" panose="020B0509050000020004" pitchFamily="49" charset="0"/>
+              </a:rPr>
+              <a:t>&lt;</a:t>
+            </a:r>
+            <a:r>
+              <a:rPr lang="en-US" sz="2000" dirty="0">
+                <a:solidFill>
+                  <a:schemeClr val="accent1">
+                    <a:lumMod val="40000"/>
+                    <a:lumOff val="60000"/>
+                  </a:schemeClr>
+                </a:solidFill>
+                <a:latin typeface="Fira Code" panose="020B0509050000020004" pitchFamily="49" charset="0"/>
+                <a:ea typeface="Fira Code" panose="020B0509050000020004" pitchFamily="49" charset="0"/>
+              </a:rPr>
+              <a:t>Head</a:t>
+            </a:r>
+            <a:r>
+              <a:rPr lang="en-US" sz="2000" dirty="0">
+                <a:latin typeface="Fira Code" panose="020B0509050000020004" pitchFamily="49" charset="0"/>
+                <a:ea typeface="Fira Code" panose="020B0509050000020004" pitchFamily="49" charset="0"/>
+              </a:rPr>
+              <a:t>, </a:t>
+            </a:r>
+            <a:r>
+              <a:rPr lang="en-US" sz="2000" dirty="0">
+                <a:solidFill>
+                  <a:schemeClr val="accent1">
+                    <a:lumMod val="40000"/>
+                    <a:lumOff val="60000"/>
+                  </a:schemeClr>
+                </a:solidFill>
+                <a:latin typeface="Fira Code" panose="020B0509050000020004" pitchFamily="49" charset="0"/>
+                <a:ea typeface="Fira Code" panose="020B0509050000020004" pitchFamily="49" charset="0"/>
+              </a:rPr>
+              <a:t>T</a:t>
+            </a:r>
+            <a:r>
+              <a:rPr lang="en-US" sz="2000" dirty="0">
+                <a:latin typeface="Fira Code" panose="020B0509050000020004" pitchFamily="49" charset="0"/>
+                <a:ea typeface="Fira Code" panose="020B0509050000020004" pitchFamily="49" charset="0"/>
+              </a:rPr>
+              <a:t>&gt;</a:t>
+            </a:r>
+            <a:r>
+              <a:rPr lang="en-US" dirty="0"/>
+              <a:t> is error-prone</a:t>
+            </a:r>
+          </a:p>
+          <a:p>
+            <a:pPr lvl="1"/>
+            <a:r>
+              <a:rPr lang="en-US" sz="1800" dirty="0">
+                <a:latin typeface="Fira Code" panose="020B0509050000020004" pitchFamily="49" charset="0"/>
+                <a:ea typeface="Fira Code" panose="020B0509050000020004" pitchFamily="49" charset="0"/>
+              </a:rPr>
+              <a:t>struct </a:t>
+            </a:r>
+            <a:r>
+              <a:rPr lang="en-US" sz="1800" dirty="0">
+                <a:solidFill>
+                  <a:schemeClr val="accent3">
+                    <a:lumMod val="20000"/>
+                    <a:lumOff val="80000"/>
+                  </a:schemeClr>
+                </a:solidFill>
+                <a:latin typeface="Fira Code" panose="020B0509050000020004" pitchFamily="49" charset="0"/>
+                <a:ea typeface="Fira Code" panose="020B0509050000020004" pitchFamily="49" charset="0"/>
+              </a:rPr>
+              <a:t>bad</a:t>
+            </a:r>
+            <a:r>
+              <a:rPr lang="en-US" sz="1800" dirty="0">
+                <a:latin typeface="Fira Code" panose="020B0509050000020004" pitchFamily="49" charset="0"/>
+                <a:ea typeface="Fira Code" panose="020B0509050000020004" pitchFamily="49" charset="0"/>
+              </a:rPr>
+              <a:t> {</a:t>
+            </a:r>
+            <a:br>
+              <a:rPr lang="en-US" sz="1800" dirty="0">
+                <a:latin typeface="Fira Code" panose="020B0509050000020004" pitchFamily="49" charset="0"/>
+                <a:ea typeface="Fira Code" panose="020B0509050000020004" pitchFamily="49" charset="0"/>
+              </a:rPr>
+            </a:br>
+            <a:r>
+              <a:rPr lang="en-US" sz="1800" dirty="0">
+                <a:latin typeface="Fira Code" panose="020B0509050000020004" pitchFamily="49" charset="0"/>
+                <a:ea typeface="Fira Code" panose="020B0509050000020004" pitchFamily="49" charset="0"/>
+              </a:rPr>
+              <a:t>     </a:t>
+            </a:r>
+            <a:r>
+              <a:rPr lang="en-US" sz="1800" dirty="0" err="1">
+                <a:solidFill>
+                  <a:schemeClr val="accent3">
+                    <a:lumMod val="20000"/>
+                    <a:lumOff val="80000"/>
+                  </a:schemeClr>
+                </a:solidFill>
+                <a:latin typeface="Fira Code" panose="020B0509050000020004" pitchFamily="49" charset="0"/>
+                <a:ea typeface="Fira Code" panose="020B0509050000020004" pitchFamily="49" charset="0"/>
+              </a:rPr>
+              <a:t>tail_allocated</a:t>
+            </a:r>
+            <a:r>
+              <a:rPr lang="en-US" sz="1800" dirty="0">
+                <a:latin typeface="Fira Code" panose="020B0509050000020004" pitchFamily="49" charset="0"/>
+                <a:ea typeface="Fira Code" panose="020B0509050000020004" pitchFamily="49" charset="0"/>
+              </a:rPr>
+              <a:t>&lt;</a:t>
+            </a:r>
+            <a:r>
+              <a:rPr lang="en-US" sz="1800" dirty="0" err="1">
+                <a:solidFill>
+                  <a:schemeClr val="accent3">
+                    <a:lumMod val="20000"/>
+                    <a:lumOff val="80000"/>
+                  </a:schemeClr>
+                </a:solidFill>
+                <a:latin typeface="Fira Code" panose="020B0509050000020004" pitchFamily="49" charset="0"/>
+                <a:ea typeface="Fira Code" panose="020B0509050000020004" pitchFamily="49" charset="0"/>
+              </a:rPr>
+              <a:t>packet_header</a:t>
+            </a:r>
+            <a:r>
+              <a:rPr lang="en-US" sz="1800" dirty="0">
+                <a:latin typeface="Fira Code" panose="020B0509050000020004" pitchFamily="49" charset="0"/>
+                <a:ea typeface="Fira Code" panose="020B0509050000020004" pitchFamily="49" charset="0"/>
+              </a:rPr>
+              <a:t>, std::</a:t>
+            </a:r>
+            <a:r>
+              <a:rPr lang="en-US" sz="1800" dirty="0">
+                <a:solidFill>
+                  <a:schemeClr val="accent1">
+                    <a:lumMod val="40000"/>
+                    <a:lumOff val="60000"/>
+                  </a:schemeClr>
+                </a:solidFill>
+                <a:latin typeface="Fira Code" panose="020B0509050000020004" pitchFamily="49" charset="0"/>
+                <a:ea typeface="Fira Code" panose="020B0509050000020004" pitchFamily="49" charset="0"/>
+              </a:rPr>
+              <a:t>byte</a:t>
+            </a:r>
+            <a:r>
+              <a:rPr lang="en-US" sz="1800" dirty="0">
+                <a:latin typeface="Fira Code" panose="020B0509050000020004" pitchFamily="49" charset="0"/>
+                <a:ea typeface="Fira Code" panose="020B0509050000020004" pitchFamily="49" charset="0"/>
+              </a:rPr>
+              <a:t>&gt; data;</a:t>
+            </a:r>
+            <a:br>
+              <a:rPr lang="en-US" sz="1800" dirty="0">
+                <a:latin typeface="Fira Code" panose="020B0509050000020004" pitchFamily="49" charset="0"/>
+                <a:ea typeface="Fira Code" panose="020B0509050000020004" pitchFamily="49" charset="0"/>
+              </a:rPr>
+            </a:br>
+            <a:r>
+              <a:rPr lang="en-US" sz="1800" dirty="0">
+                <a:latin typeface="Fira Code" panose="020B0509050000020004" pitchFamily="49" charset="0"/>
+                <a:ea typeface="Fira Code" panose="020B0509050000020004" pitchFamily="49" charset="0"/>
+              </a:rPr>
+              <a:t>     </a:t>
+            </a:r>
+            <a:r>
+              <a:rPr lang="en-US" sz="1800" dirty="0">
+                <a:solidFill>
+                  <a:srgbClr val="92D050"/>
+                </a:solidFill>
+                <a:latin typeface="Fira Code" panose="020B0509050000020004" pitchFamily="49" charset="0"/>
+                <a:ea typeface="Fira Code" panose="020B0509050000020004" pitchFamily="49" charset="0"/>
+              </a:rPr>
+              <a:t>/* … */</a:t>
+            </a:r>
+            <a:br>
+              <a:rPr lang="en-US" sz="1800" dirty="0">
+                <a:latin typeface="Fira Code" panose="020B0509050000020004" pitchFamily="49" charset="0"/>
+                <a:ea typeface="Fira Code" panose="020B0509050000020004" pitchFamily="49" charset="0"/>
+              </a:rPr>
+            </a:br>
+            <a:r>
+              <a:rPr lang="en-US" sz="1800" dirty="0">
+                <a:latin typeface="Fira Code" panose="020B0509050000020004" pitchFamily="49" charset="0"/>
+                <a:ea typeface="Fira Code" panose="020B0509050000020004" pitchFamily="49" charset="0"/>
+              </a:rPr>
+              <a:t>     </a:t>
+            </a:r>
+            <a:r>
+              <a:rPr lang="en-US" sz="1800" dirty="0" err="1">
+                <a:solidFill>
+                  <a:schemeClr val="accent3">
+                    <a:lumMod val="20000"/>
+                    <a:lumOff val="80000"/>
+                  </a:schemeClr>
+                </a:solidFill>
+                <a:latin typeface="Fira Code" panose="020B0509050000020004" pitchFamily="49" charset="0"/>
+                <a:ea typeface="Fira Code" panose="020B0509050000020004" pitchFamily="49" charset="0"/>
+              </a:rPr>
+              <a:t>tail_allocated</a:t>
+            </a:r>
+            <a:r>
+              <a:rPr lang="en-US" sz="1800" dirty="0">
+                <a:latin typeface="Fira Code" panose="020B0509050000020004" pitchFamily="49" charset="0"/>
+                <a:ea typeface="Fira Code" panose="020B0509050000020004" pitchFamily="49" charset="0"/>
+              </a:rPr>
+              <a:t>&lt;</a:t>
+            </a:r>
+            <a:r>
+              <a:rPr lang="en-US" sz="1800" dirty="0" err="1">
+                <a:solidFill>
+                  <a:schemeClr val="accent3">
+                    <a:lumMod val="20000"/>
+                    <a:lumOff val="80000"/>
+                  </a:schemeClr>
+                </a:solidFill>
+                <a:latin typeface="Fira Code" panose="020B0509050000020004" pitchFamily="49" charset="0"/>
+                <a:ea typeface="Fira Code" panose="020B0509050000020004" pitchFamily="49" charset="0"/>
+              </a:rPr>
+              <a:t>other_header</a:t>
+            </a:r>
+            <a:r>
+              <a:rPr lang="en-US" sz="1800" dirty="0">
+                <a:latin typeface="Fira Code" panose="020B0509050000020004" pitchFamily="49" charset="0"/>
+                <a:ea typeface="Fira Code" panose="020B0509050000020004" pitchFamily="49" charset="0"/>
+              </a:rPr>
+              <a:t>, std::</a:t>
+            </a:r>
+            <a:r>
+              <a:rPr lang="en-US" sz="1800" dirty="0">
+                <a:solidFill>
+                  <a:schemeClr val="accent1">
+                    <a:lumMod val="40000"/>
+                    <a:lumOff val="60000"/>
+                  </a:schemeClr>
+                </a:solidFill>
+                <a:latin typeface="Fira Code" panose="020B0509050000020004" pitchFamily="49" charset="0"/>
+                <a:ea typeface="Fira Code" panose="020B0509050000020004" pitchFamily="49" charset="0"/>
+              </a:rPr>
+              <a:t>byte</a:t>
+            </a:r>
+            <a:r>
+              <a:rPr lang="en-US" sz="1800" dirty="0">
+                <a:latin typeface="Fira Code" panose="020B0509050000020004" pitchFamily="49" charset="0"/>
+                <a:ea typeface="Fira Code" panose="020B0509050000020004" pitchFamily="49" charset="0"/>
+              </a:rPr>
+              <a:t>&gt; data2;</a:t>
+            </a:r>
+            <a:br>
+              <a:rPr lang="en-US" sz="1800" dirty="0">
+                <a:latin typeface="Fira Code" panose="020B0509050000020004" pitchFamily="49" charset="0"/>
+                <a:ea typeface="Fira Code" panose="020B0509050000020004" pitchFamily="49" charset="0"/>
+              </a:rPr>
+            </a:br>
+            <a:r>
+              <a:rPr lang="en-US" sz="1800" dirty="0">
+                <a:latin typeface="Fira Code" panose="020B0509050000020004" pitchFamily="49" charset="0"/>
+                <a:ea typeface="Fira Code" panose="020B0509050000020004" pitchFamily="49" charset="0"/>
+              </a:rPr>
+              <a:t>     </a:t>
+            </a:r>
+            <a:r>
+              <a:rPr lang="en-US" sz="1800" dirty="0">
+                <a:solidFill>
+                  <a:srgbClr val="92D050"/>
+                </a:solidFill>
+                <a:latin typeface="Fira Code" panose="020B0509050000020004" pitchFamily="49" charset="0"/>
+                <a:ea typeface="Fira Code" panose="020B0509050000020004" pitchFamily="49" charset="0"/>
+              </a:rPr>
+              <a:t>// no compiler error !!</a:t>
+            </a:r>
+            <a:br>
+              <a:rPr lang="en-US" sz="1800" dirty="0">
+                <a:latin typeface="Fira Code" panose="020B0509050000020004" pitchFamily="49" charset="0"/>
+                <a:ea typeface="Fira Code" panose="020B0509050000020004" pitchFamily="49" charset="0"/>
+              </a:rPr>
+            </a:br>
+            <a:r>
+              <a:rPr lang="en-US" sz="1800" dirty="0">
+                <a:latin typeface="Fira Code" panose="020B0509050000020004" pitchFamily="49" charset="0"/>
+                <a:ea typeface="Fira Code" panose="020B0509050000020004" pitchFamily="49" charset="0"/>
+              </a:rPr>
+              <a:t>};</a:t>
+            </a:r>
+          </a:p>
+        </p:txBody>
+      </p:sp>
+    </p:spTree>
+    <p:extLst>
+      <p:ext uri="{BB962C8B-B14F-4D97-AF65-F5344CB8AC3E}">
+        <p14:creationId xmlns:p14="http://schemas.microsoft.com/office/powerpoint/2010/main" val="1083499416"/>
+      </p:ext>
+    </p:extLst>
+  </p:cSld>
+  <p:clrMapOvr>
+    <a:masterClrMapping/>
+  </p:clrMapOvr>
+</p:sld>
+</file>
+
+<file path=ppt/slides/slide6.xml><?xml version="1.0" encoding="utf-8"?>
+<p:sld xmlns:a="http://schemas.openxmlformats.org/drawingml/2006/main" xmlns:r="http://schemas.openxmlformats.org/officeDocument/2006/relationships" xmlns:p="http://schemas.openxmlformats.org/presentationml/2006/main">
+  <p:cSld>
+    <p:spTree>
+      <p:nvGrpSpPr>
+        <p:cNvPr id="1" name=""/>
+        <p:cNvGrpSpPr/>
+        <p:nvPr/>
+      </p:nvGrpSpPr>
+      <p:grpSpPr>
+        <a:xfrm>
+          <a:off x="0" y="0"/>
+          <a:ext cx="0" cy="0"/>
+          <a:chOff x="0" y="0"/>
+          <a:chExt cx="0" cy="0"/>
+        </a:xfrm>
+      </p:grpSpPr>
+      <p:sp>
+        <p:nvSpPr>
+          <p:cNvPr id="2" name="Title 1">
+            <a:extLst>
+              <a:ext uri="{FF2B5EF4-FFF2-40B4-BE49-F238E27FC236}">
+                <a16:creationId xmlns:a16="http://schemas.microsoft.com/office/drawing/2014/main" id="{09754562-D2A7-40F6-B066-AC5787208034}"/>
+              </a:ext>
+            </a:extLst>
+          </p:cNvPr>
+          <p:cNvSpPr>
+            <a:spLocks noGrp="1"/>
+          </p:cNvSpPr>
+          <p:nvPr>
+            <p:ph type="title"/>
+          </p:nvPr>
+        </p:nvSpPr>
+        <p:spPr/>
+        <p:txBody>
+          <a:bodyPr/>
+          <a:lstStyle/>
+          <a:p>
+            <a:r>
+              <a:rPr lang="en-US" dirty="0"/>
+              <a:t>Secondary Reason: Existing Practice</a:t>
+            </a:r>
+          </a:p>
+        </p:txBody>
+      </p:sp>
+      <p:sp>
+        <p:nvSpPr>
+          <p:cNvPr id="3" name="Slide Number Placeholder 2">
+            <a:extLst>
+              <a:ext uri="{FF2B5EF4-FFF2-40B4-BE49-F238E27FC236}">
+                <a16:creationId xmlns:a16="http://schemas.microsoft.com/office/drawing/2014/main" id="{D41C8335-979D-4163-962D-D16BFDA92A0D}"/>
+              </a:ext>
+            </a:extLst>
+          </p:cNvPr>
+          <p:cNvSpPr>
+            <a:spLocks noGrp="1"/>
+          </p:cNvSpPr>
+          <p:nvPr>
+            <p:ph type="sldNum" sz="quarter" idx="12"/>
+          </p:nvPr>
+        </p:nvSpPr>
+        <p:spPr/>
+        <p:txBody>
+          <a:bodyPr/>
+          <a:lstStyle/>
+          <a:p>
+            <a:fld id="{C263D6C4-4840-40CC-AC84-17E24B3B7BDE}" type="slidenum">
+              <a:rPr lang="en-GB" smtClean="0"/>
+              <a:pPr/>
+              <a:t>6</a:t>
+            </a:fld>
+            <a:endParaRPr lang="en-GB" dirty="0"/>
+          </a:p>
+        </p:txBody>
+      </p:sp>
+      <p:sp>
+        <p:nvSpPr>
+          <p:cNvPr id="4" name="Content Placeholder 3">
+            <a:extLst>
+              <a:ext uri="{FF2B5EF4-FFF2-40B4-BE49-F238E27FC236}">
+                <a16:creationId xmlns:a16="http://schemas.microsoft.com/office/drawing/2014/main" id="{A11777E1-E788-48DF-A870-881D084CAEC9}"/>
+              </a:ext>
+            </a:extLst>
+          </p:cNvPr>
+          <p:cNvSpPr>
+            <a:spLocks noGrp="1"/>
+          </p:cNvSpPr>
+          <p:nvPr>
+            <p:ph idx="1"/>
+          </p:nvPr>
+        </p:nvSpPr>
+        <p:spPr/>
+        <p:txBody>
+          <a:bodyPr/>
+          <a:lstStyle/>
+          <a:p>
+            <a:r>
+              <a:rPr lang="en-US" dirty="0"/>
+              <a:t>The C standard has them</a:t>
+            </a:r>
+          </a:p>
+          <a:p>
+            <a:pPr lvl="1"/>
+            <a:r>
+              <a:rPr lang="en-US" dirty="0"/>
+              <a:t>Linux uses them effectively</a:t>
+            </a:r>
+          </a:p>
+          <a:p>
+            <a:pPr lvl="1"/>
+            <a:r>
+              <a:rPr lang="en-US" dirty="0"/>
+              <a:t>Embedded and HSA-Briggs modules</a:t>
+            </a:r>
+          </a:p>
+          <a:p>
+            <a:pPr lvl="1"/>
+            <a:endParaRPr lang="en-US" dirty="0"/>
+          </a:p>
+          <a:p>
+            <a:r>
+              <a:rPr lang="en-US" dirty="0"/>
+              <a:t>LLVM has tail-allocated data structures</a:t>
+            </a:r>
+          </a:p>
+          <a:p>
+            <a:pPr lvl="1"/>
+            <a:r>
+              <a:rPr lang="en-US" dirty="0"/>
+              <a:t>hidden under library layers and vigorous code review to prevent misuse</a:t>
+            </a:r>
+          </a:p>
+        </p:txBody>
+      </p:sp>
+    </p:spTree>
+    <p:extLst>
+      <p:ext uri="{BB962C8B-B14F-4D97-AF65-F5344CB8AC3E}">
+        <p14:creationId xmlns:p14="http://schemas.microsoft.com/office/powerpoint/2010/main" val="640356213"/>
+      </p:ext>
+    </p:extLst>
+  </p:cSld>
+  <p:clrMapOvr>
+    <a:masterClrMapping/>
+  </p:clrMapOvr>
+</p:sld>
+</file>
+
+<file path=ppt/slides/slide7.xml><?xml version="1.0" encoding="utf-8"?>
+<p:sld xmlns:a="http://schemas.openxmlformats.org/drawingml/2006/main" xmlns:r="http://schemas.openxmlformats.org/officeDocument/2006/relationships" xmlns:p="http://schemas.openxmlformats.org/presentationml/2006/main">
+  <p:cSld>
+    <p:spTree>
+      <p:nvGrpSpPr>
+        <p:cNvPr id="1" name=""/>
+        <p:cNvGrpSpPr/>
+        <p:nvPr/>
+      </p:nvGrpSpPr>
+      <p:grpSpPr>
+        <a:xfrm>
+          <a:off x="0" y="0"/>
+          <a:ext cx="0" cy="0"/>
+          <a:chOff x="0" y="0"/>
+          <a:chExt cx="0" cy="0"/>
+        </a:xfrm>
+      </p:grpSpPr>
+      <p:sp>
+        <p:nvSpPr>
+          <p:cNvPr id="2" name="Title 1">
+            <a:extLst>
+              <a:ext uri="{FF2B5EF4-FFF2-40B4-BE49-F238E27FC236}">
+                <a16:creationId xmlns:a16="http://schemas.microsoft.com/office/drawing/2014/main" id="{35D3B7BE-2DCF-43C3-9DB8-78BC220C7663}"/>
+              </a:ext>
+            </a:extLst>
+          </p:cNvPr>
+          <p:cNvSpPr>
+            <a:spLocks noGrp="1"/>
+          </p:cNvSpPr>
+          <p:nvPr>
+            <p:ph type="title"/>
+          </p:nvPr>
+        </p:nvSpPr>
+        <p:spPr/>
+        <p:txBody>
+          <a:bodyPr/>
+          <a:lstStyle/>
+          <a:p>
+            <a:r>
+              <a:rPr lang="en-US" dirty="0"/>
+              <a:t>Overrides for Memory Efficiency</a:t>
+            </a:r>
+          </a:p>
+        </p:txBody>
+      </p:sp>
+      <p:sp>
+        <p:nvSpPr>
+          <p:cNvPr id="3" name="Slide Number Placeholder 2">
+            <a:extLst>
+              <a:ext uri="{FF2B5EF4-FFF2-40B4-BE49-F238E27FC236}">
+                <a16:creationId xmlns:a16="http://schemas.microsoft.com/office/drawing/2014/main" id="{15C92347-DBC6-46C8-85DC-19A65920711E}"/>
+              </a:ext>
+            </a:extLst>
+          </p:cNvPr>
+          <p:cNvSpPr>
+            <a:spLocks noGrp="1"/>
+          </p:cNvSpPr>
+          <p:nvPr>
+            <p:ph type="sldNum" sz="quarter" idx="12"/>
+          </p:nvPr>
+        </p:nvSpPr>
+        <p:spPr/>
+        <p:txBody>
+          <a:bodyPr/>
+          <a:lstStyle/>
+          <a:p>
+            <a:fld id="{C263D6C4-4840-40CC-AC84-17E24B3B7BDE}" type="slidenum">
+              <a:rPr lang="en-GB" smtClean="0"/>
+              <a:pPr/>
+              <a:t>7</a:t>
+            </a:fld>
+            <a:endParaRPr lang="en-GB" dirty="0"/>
+          </a:p>
+        </p:txBody>
+      </p:sp>
+      <p:sp>
+        <p:nvSpPr>
+          <p:cNvPr id="8" name="Content Placeholder 7">
+            <a:extLst>
+              <a:ext uri="{FF2B5EF4-FFF2-40B4-BE49-F238E27FC236}">
+                <a16:creationId xmlns:a16="http://schemas.microsoft.com/office/drawing/2014/main" id="{2E46E77D-3892-4727-9295-8171A1566DB7}"/>
+              </a:ext>
+            </a:extLst>
+          </p:cNvPr>
+          <p:cNvSpPr>
+            <a:spLocks noGrp="1"/>
+          </p:cNvSpPr>
+          <p:nvPr>
+            <p:ph idx="1"/>
+          </p:nvPr>
+        </p:nvSpPr>
+        <p:spPr/>
+        <p:txBody>
+          <a:bodyPr/>
+          <a:lstStyle/>
+          <a:p>
+            <a:r>
+              <a:rPr lang="en-US" dirty="0"/>
+              <a:t>Many arrays track their own element count</a:t>
+            </a:r>
+          </a:p>
+          <a:p>
+            <a:pPr lvl="1"/>
+            <a:r>
+              <a:rPr lang="en-US" dirty="0"/>
+              <a:t>do not need the implementation to store it for them alongside any other implementation-specific information</a:t>
+            </a:r>
+          </a:p>
+        </p:txBody>
+      </p:sp>
+    </p:spTree>
+    <p:extLst>
+      <p:ext uri="{BB962C8B-B14F-4D97-AF65-F5344CB8AC3E}">
+        <p14:creationId xmlns:p14="http://schemas.microsoft.com/office/powerpoint/2010/main" val="3901808984"/>
+      </p:ext>
+    </p:extLst>
+  </p:cSld>
+  <p:clrMapOvr>
+    <a:masterClrMapping/>
+  </p:clrMapOvr>
+</p:sld>
+</file>
+
+<file path=ppt/slides/slide8.xml><?xml version="1.0" encoding="utf-8"?>
+<p:sld xmlns:a="http://schemas.openxmlformats.org/drawingml/2006/main" xmlns:r="http://schemas.openxmlformats.org/officeDocument/2006/relationships" xmlns:p="http://schemas.openxmlformats.org/presentationml/2006/main">
+  <p:cSld>
+    <p:spTree>
+      <p:nvGrpSpPr>
+        <p:cNvPr id="1" name=""/>
+        <p:cNvGrpSpPr/>
+        <p:nvPr/>
+      </p:nvGrpSpPr>
+      <p:grpSpPr>
+        <a:xfrm>
+          <a:off x="0" y="0"/>
+          <a:ext cx="0" cy="0"/>
+          <a:chOff x="0" y="0"/>
+          <a:chExt cx="0" cy="0"/>
+        </a:xfrm>
+      </p:grpSpPr>
+      <p:sp>
+        <p:nvSpPr>
+          <p:cNvPr id="3" name="Slide Number Placeholder 2">
+            <a:extLst>
+              <a:ext uri="{FF2B5EF4-FFF2-40B4-BE49-F238E27FC236}">
+                <a16:creationId xmlns:a16="http://schemas.microsoft.com/office/drawing/2014/main" id="{E06D4B23-B020-4E3F-9C72-5467D951BADF}"/>
+              </a:ext>
+            </a:extLst>
+          </p:cNvPr>
+          <p:cNvSpPr>
+            <a:spLocks noGrp="1"/>
+          </p:cNvSpPr>
+          <p:nvPr>
+            <p:ph type="sldNum" sz="quarter" idx="12"/>
+          </p:nvPr>
+        </p:nvSpPr>
+        <p:spPr/>
+        <p:txBody>
+          <a:bodyPr/>
+          <a:lstStyle/>
+          <a:p>
+            <a:fld id="{C263D6C4-4840-40CC-AC84-17E24B3B7BDE}" type="slidenum">
+              <a:rPr lang="en-GB" smtClean="0"/>
+              <a:pPr/>
+              <a:t>8</a:t>
+            </a:fld>
+            <a:endParaRPr lang="en-GB" dirty="0"/>
+          </a:p>
+        </p:txBody>
+      </p:sp>
+      <p:sp>
+        <p:nvSpPr>
+          <p:cNvPr id="5" name="Rectangle 4">
+            <a:extLst>
+              <a:ext uri="{FF2B5EF4-FFF2-40B4-BE49-F238E27FC236}">
+                <a16:creationId xmlns:a16="http://schemas.microsoft.com/office/drawing/2014/main" id="{84F9808C-1CFD-4647-9494-A37E1591CE52}"/>
+              </a:ext>
+            </a:extLst>
+          </p:cNvPr>
+          <p:cNvSpPr/>
+          <p:nvPr/>
+        </p:nvSpPr>
+        <p:spPr>
+          <a:xfrm>
+            <a:off x="612710" y="676701"/>
+            <a:ext cx="11367796" cy="5078313"/>
+          </a:xfrm>
+          <a:prstGeom prst="rect">
+            <a:avLst/>
+          </a:prstGeom>
+        </p:spPr>
+        <p:txBody>
+          <a:bodyPr wrap="square">
+            <a:spAutoFit/>
+          </a:bodyPr>
+          <a:lstStyle/>
+          <a:p>
+            <a:r>
+              <a:rPr lang="en-US" dirty="0">
+                <a:solidFill>
+                  <a:schemeClr val="bg1"/>
+                </a:solidFill>
+                <a:latin typeface="Fira Code" panose="020B0509050000020004" pitchFamily="49" charset="0"/>
+                <a:ea typeface="Fira Code" panose="020B0509050000020004" pitchFamily="49" charset="0"/>
+              </a:rPr>
+              <a:t>#include &lt;fam&gt;</a:t>
+            </a:r>
+          </a:p>
+          <a:p>
+            <a:r>
+              <a:rPr lang="en-US" dirty="0">
+                <a:solidFill>
+                  <a:schemeClr val="bg1"/>
+                </a:solidFill>
+                <a:latin typeface="Fira Code" panose="020B0509050000020004" pitchFamily="49" charset="0"/>
+                <a:ea typeface="Fira Code" panose="020B0509050000020004" pitchFamily="49" charset="0"/>
+              </a:rPr>
+              <a:t>#include &lt;</a:t>
+            </a:r>
+            <a:r>
+              <a:rPr lang="en-US" dirty="0" err="1">
+                <a:solidFill>
+                  <a:schemeClr val="bg1"/>
+                </a:solidFill>
+                <a:latin typeface="Fira Code" panose="020B0509050000020004" pitchFamily="49" charset="0"/>
+                <a:ea typeface="Fira Code" panose="020B0509050000020004" pitchFamily="49" charset="0"/>
+              </a:rPr>
+              <a:t>cstddef</a:t>
+            </a:r>
+            <a:r>
+              <a:rPr lang="en-US" dirty="0">
+                <a:solidFill>
+                  <a:schemeClr val="bg1"/>
+                </a:solidFill>
+                <a:latin typeface="Fira Code" panose="020B0509050000020004" pitchFamily="49" charset="0"/>
+                <a:ea typeface="Fira Code" panose="020B0509050000020004" pitchFamily="49" charset="0"/>
+              </a:rPr>
+              <a:t>&gt;</a:t>
+            </a:r>
+          </a:p>
+          <a:p>
+            <a:endParaRPr lang="en-US" dirty="0">
+              <a:solidFill>
+                <a:schemeClr val="bg1"/>
+              </a:solidFill>
+              <a:latin typeface="Fira Code" panose="020B0509050000020004" pitchFamily="49" charset="0"/>
+              <a:ea typeface="Fira Code" panose="020B0509050000020004" pitchFamily="49" charset="0"/>
+            </a:endParaRPr>
+          </a:p>
+          <a:p>
+            <a:r>
+              <a:rPr lang="en-US" dirty="0">
+                <a:solidFill>
+                  <a:schemeClr val="bg1"/>
+                </a:solidFill>
+                <a:latin typeface="Fira Code" panose="020B0509050000020004" pitchFamily="49" charset="0"/>
+                <a:ea typeface="Fira Code" panose="020B0509050000020004" pitchFamily="49" charset="0"/>
+              </a:rPr>
+              <a:t>struct </a:t>
+            </a:r>
+            <a:r>
+              <a:rPr lang="en-US" dirty="0" err="1">
+                <a:solidFill>
+                  <a:schemeClr val="accent3">
+                    <a:lumMod val="20000"/>
+                    <a:lumOff val="80000"/>
+                  </a:schemeClr>
+                </a:solidFill>
+                <a:latin typeface="Fira Code" panose="020B0509050000020004" pitchFamily="49" charset="0"/>
+                <a:ea typeface="Fira Code" panose="020B0509050000020004" pitchFamily="49" charset="0"/>
+              </a:rPr>
+              <a:t>id_list</a:t>
+            </a:r>
+            <a:r>
+              <a:rPr lang="en-US" dirty="0">
+                <a:solidFill>
+                  <a:schemeClr val="bg1"/>
+                </a:solidFill>
+                <a:latin typeface="Fira Code" panose="020B0509050000020004" pitchFamily="49" charset="0"/>
+                <a:ea typeface="Fira Code" panose="020B0509050000020004" pitchFamily="49" charset="0"/>
+              </a:rPr>
+              <a:t> {</a:t>
+            </a:r>
+          </a:p>
+          <a:p>
+            <a:r>
+              <a:rPr lang="en-US" dirty="0">
+                <a:solidFill>
+                  <a:schemeClr val="bg1"/>
+                </a:solidFill>
+                <a:latin typeface="Fira Code" panose="020B0509050000020004" pitchFamily="49" charset="0"/>
+                <a:ea typeface="Fira Code" panose="020B0509050000020004" pitchFamily="49" charset="0"/>
+              </a:rPr>
+              <a:t>	std::</a:t>
+            </a:r>
+            <a:r>
+              <a:rPr lang="en-US" dirty="0" err="1">
+                <a:solidFill>
+                  <a:schemeClr val="accent1">
+                    <a:lumMod val="20000"/>
+                    <a:lumOff val="80000"/>
+                  </a:schemeClr>
+                </a:solidFill>
+                <a:latin typeface="Fira Code" panose="020B0509050000020004" pitchFamily="49" charset="0"/>
+                <a:ea typeface="Fira Code" panose="020B0509050000020004" pitchFamily="49" charset="0"/>
+              </a:rPr>
+              <a:t>size_t</a:t>
+            </a:r>
+            <a:r>
+              <a:rPr lang="en-US" dirty="0">
+                <a:solidFill>
+                  <a:schemeClr val="accent1">
+                    <a:lumMod val="20000"/>
+                    <a:lumOff val="80000"/>
+                  </a:schemeClr>
+                </a:solidFill>
+                <a:latin typeface="Fira Code" panose="020B0509050000020004" pitchFamily="49" charset="0"/>
+                <a:ea typeface="Fira Code" panose="020B0509050000020004" pitchFamily="49" charset="0"/>
+              </a:rPr>
+              <a:t> </a:t>
+            </a:r>
+            <a:r>
+              <a:rPr lang="en-US" dirty="0" err="1">
+                <a:solidFill>
+                  <a:schemeClr val="bg1"/>
+                </a:solidFill>
+                <a:latin typeface="Fira Code" panose="020B0509050000020004" pitchFamily="49" charset="0"/>
+                <a:ea typeface="Fira Code" panose="020B0509050000020004" pitchFamily="49" charset="0"/>
+              </a:rPr>
+              <a:t>len</a:t>
+            </a:r>
+            <a:r>
+              <a:rPr lang="en-US" dirty="0">
+                <a:solidFill>
+                  <a:schemeClr val="bg1"/>
+                </a:solidFill>
+                <a:latin typeface="Fira Code" panose="020B0509050000020004" pitchFamily="49" charset="0"/>
+                <a:ea typeface="Fira Code" panose="020B0509050000020004" pitchFamily="49" charset="0"/>
+              </a:rPr>
+              <a:t>;</a:t>
+            </a:r>
+          </a:p>
+          <a:p>
+            <a:r>
+              <a:rPr lang="en-US" dirty="0">
+                <a:solidFill>
+                  <a:schemeClr val="bg1"/>
+                </a:solidFill>
+                <a:latin typeface="Fira Code" panose="020B0509050000020004" pitchFamily="49" charset="0"/>
+                <a:ea typeface="Fira Code" panose="020B0509050000020004" pitchFamily="49" charset="0"/>
+              </a:rPr>
+              <a:t>	</a:t>
+            </a:r>
+            <a:r>
+              <a:rPr lang="en-US" dirty="0">
+                <a:solidFill>
+                  <a:schemeClr val="accent1">
+                    <a:lumMod val="20000"/>
+                    <a:lumOff val="80000"/>
+                  </a:schemeClr>
+                </a:solidFill>
+                <a:latin typeface="Fira Code" panose="020B0509050000020004" pitchFamily="49" charset="0"/>
+                <a:ea typeface="Fira Code" panose="020B0509050000020004" pitchFamily="49" charset="0"/>
+              </a:rPr>
+              <a:t>int64_t</a:t>
+            </a:r>
+            <a:r>
+              <a:rPr lang="en-US" dirty="0">
+                <a:solidFill>
+                  <a:schemeClr val="bg1"/>
+                </a:solidFill>
+                <a:latin typeface="Fira Code" panose="020B0509050000020004" pitchFamily="49" charset="0"/>
+                <a:ea typeface="Fira Code" panose="020B0509050000020004" pitchFamily="49" charset="0"/>
+              </a:rPr>
+              <a:t> ids[];</a:t>
+            </a:r>
+          </a:p>
+          <a:p>
+            <a:endParaRPr lang="en-US" dirty="0">
+              <a:solidFill>
+                <a:schemeClr val="bg1"/>
+              </a:solidFill>
+              <a:latin typeface="Fira Code" panose="020B0509050000020004" pitchFamily="49" charset="0"/>
+              <a:ea typeface="Fira Code" panose="020B0509050000020004" pitchFamily="49" charset="0"/>
+            </a:endParaRPr>
+          </a:p>
+          <a:p>
+            <a:r>
+              <a:rPr lang="en-US" dirty="0">
+                <a:solidFill>
+                  <a:schemeClr val="bg1"/>
+                </a:solidFill>
+                <a:latin typeface="Fira Code" panose="020B0509050000020004" pitchFamily="49" charset="0"/>
+                <a:ea typeface="Fira Code" panose="020B0509050000020004" pitchFamily="49" charset="0"/>
+              </a:rPr>
+              <a:t>	</a:t>
+            </a:r>
+            <a:r>
+              <a:rPr lang="en-US" dirty="0" err="1">
+                <a:solidFill>
+                  <a:schemeClr val="accent3">
+                    <a:lumMod val="20000"/>
+                    <a:lumOff val="80000"/>
+                  </a:schemeClr>
+                </a:solidFill>
+                <a:latin typeface="Fira Code" panose="020B0509050000020004" pitchFamily="49" charset="0"/>
+                <a:ea typeface="Fira Code" panose="020B0509050000020004" pitchFamily="49" charset="0"/>
+              </a:rPr>
+              <a:t>id_list</a:t>
+            </a:r>
+            <a:r>
+              <a:rPr lang="en-US" dirty="0">
+                <a:solidFill>
+                  <a:schemeClr val="bg1"/>
+                </a:solidFill>
+                <a:latin typeface="Fira Code" panose="020B0509050000020004" pitchFamily="49" charset="0"/>
+                <a:ea typeface="Fira Code" panose="020B0509050000020004" pitchFamily="49" charset="0"/>
+              </a:rPr>
+              <a:t>(std::</a:t>
+            </a:r>
+            <a:r>
+              <a:rPr lang="en-US" dirty="0" err="1">
+                <a:solidFill>
+                  <a:schemeClr val="accent3">
+                    <a:lumMod val="20000"/>
+                    <a:lumOff val="80000"/>
+                  </a:schemeClr>
+                </a:solidFill>
+                <a:latin typeface="Fira Code" panose="020B0509050000020004" pitchFamily="49" charset="0"/>
+                <a:ea typeface="Fira Code" panose="020B0509050000020004" pitchFamily="49" charset="0"/>
+              </a:rPr>
+              <a:t>fam_size</a:t>
+            </a:r>
+            <a:r>
+              <a:rPr lang="en-US" dirty="0">
+                <a:solidFill>
+                  <a:schemeClr val="accent3">
+                    <a:lumMod val="20000"/>
+                    <a:lumOff val="80000"/>
+                  </a:schemeClr>
+                </a:solidFill>
+                <a:latin typeface="Fira Code" panose="020B0509050000020004" pitchFamily="49" charset="0"/>
+                <a:ea typeface="Fira Code" panose="020B0509050000020004" pitchFamily="49" charset="0"/>
+              </a:rPr>
+              <a:t> </a:t>
+            </a:r>
+            <a:r>
+              <a:rPr lang="en-US" dirty="0">
+                <a:solidFill>
+                  <a:schemeClr val="bg1"/>
+                </a:solidFill>
+                <a:latin typeface="Fira Code" panose="020B0509050000020004" pitchFamily="49" charset="0"/>
+                <a:ea typeface="Fira Code" panose="020B0509050000020004" pitchFamily="49" charset="0"/>
+              </a:rPr>
+              <a:t>fs) : </a:t>
+            </a:r>
+            <a:r>
+              <a:rPr lang="en-US" dirty="0" err="1">
+                <a:solidFill>
+                  <a:schemeClr val="bg1"/>
+                </a:solidFill>
+                <a:latin typeface="Fira Code" panose="020B0509050000020004" pitchFamily="49" charset="0"/>
+                <a:ea typeface="Fira Code" panose="020B0509050000020004" pitchFamily="49" charset="0"/>
+              </a:rPr>
+              <a:t>len</a:t>
+            </a:r>
+            <a:r>
+              <a:rPr lang="en-US" dirty="0">
+                <a:solidFill>
+                  <a:schemeClr val="bg1"/>
+                </a:solidFill>
+                <a:latin typeface="Fira Code" panose="020B0509050000020004" pitchFamily="49" charset="0"/>
+                <a:ea typeface="Fira Code" panose="020B0509050000020004" pitchFamily="49" charset="0"/>
+              </a:rPr>
+              <a:t>(</a:t>
+            </a:r>
+            <a:r>
+              <a:rPr lang="en-US" dirty="0" err="1">
+                <a:solidFill>
+                  <a:schemeClr val="bg1"/>
+                </a:solidFill>
+                <a:latin typeface="Fira Code" panose="020B0509050000020004" pitchFamily="49" charset="0"/>
+                <a:ea typeface="Fira Code" panose="020B0509050000020004" pitchFamily="49" charset="0"/>
+              </a:rPr>
+              <a:t>fs.size</a:t>
+            </a:r>
+            <a:r>
+              <a:rPr lang="en-US" dirty="0">
+                <a:solidFill>
+                  <a:schemeClr val="bg1"/>
+                </a:solidFill>
+                <a:latin typeface="Fira Code" panose="020B0509050000020004" pitchFamily="49" charset="0"/>
+                <a:ea typeface="Fira Code" panose="020B0509050000020004" pitchFamily="49" charset="0"/>
+              </a:rPr>
+              <a:t>()) {}</a:t>
+            </a:r>
+          </a:p>
+          <a:p>
+            <a:r>
+              <a:rPr lang="en-US" dirty="0">
+                <a:solidFill>
+                  <a:schemeClr val="bg1"/>
+                </a:solidFill>
+                <a:latin typeface="Fira Code" panose="020B0509050000020004" pitchFamily="49" charset="0"/>
+                <a:ea typeface="Fira Code" panose="020B0509050000020004" pitchFamily="49" charset="0"/>
+              </a:rPr>
+              <a:t>};</a:t>
+            </a:r>
+          </a:p>
+          <a:p>
+            <a:endParaRPr lang="en-US" dirty="0">
+              <a:solidFill>
+                <a:schemeClr val="bg1"/>
+              </a:solidFill>
+              <a:latin typeface="Fira Code" panose="020B0509050000020004" pitchFamily="49" charset="0"/>
+              <a:ea typeface="Fira Code" panose="020B0509050000020004" pitchFamily="49" charset="0"/>
+            </a:endParaRPr>
+          </a:p>
+          <a:p>
+            <a:r>
+              <a:rPr lang="en-US" dirty="0">
+                <a:solidFill>
+                  <a:schemeClr val="bg1"/>
+                </a:solidFill>
+                <a:latin typeface="Fira Code" panose="020B0509050000020004" pitchFamily="49" charset="0"/>
+                <a:ea typeface="Fira Code" panose="020B0509050000020004" pitchFamily="49" charset="0"/>
+              </a:rPr>
+              <a:t>namespace std {</a:t>
+            </a:r>
+          </a:p>
+          <a:p>
+            <a:r>
+              <a:rPr lang="en-US" dirty="0">
+                <a:solidFill>
+                  <a:schemeClr val="bg1"/>
+                </a:solidFill>
+                <a:latin typeface="Fira Code" panose="020B0509050000020004" pitchFamily="49" charset="0"/>
+                <a:ea typeface="Fira Code" panose="020B0509050000020004" pitchFamily="49" charset="0"/>
+              </a:rPr>
+              <a:t>	template &lt;&gt;</a:t>
+            </a:r>
+          </a:p>
+          <a:p>
+            <a:r>
+              <a:rPr lang="en-US" dirty="0">
+                <a:solidFill>
+                  <a:schemeClr val="bg1"/>
+                </a:solidFill>
+                <a:latin typeface="Fira Code" panose="020B0509050000020004" pitchFamily="49" charset="0"/>
+                <a:ea typeface="Fira Code" panose="020B0509050000020004" pitchFamily="49" charset="0"/>
+              </a:rPr>
+              <a:t>	struct </a:t>
+            </a:r>
+            <a:r>
+              <a:rPr lang="en-US" dirty="0" err="1">
+                <a:solidFill>
+                  <a:schemeClr val="accent3">
+                    <a:lumMod val="20000"/>
+                    <a:lumOff val="80000"/>
+                  </a:schemeClr>
+                </a:solidFill>
+                <a:latin typeface="Fira Code" panose="020B0509050000020004" pitchFamily="49" charset="0"/>
+                <a:ea typeface="Fira Code" panose="020B0509050000020004" pitchFamily="49" charset="0"/>
+              </a:rPr>
+              <a:t>fam_traits</a:t>
+            </a:r>
+            <a:r>
+              <a:rPr lang="en-US" dirty="0">
+                <a:solidFill>
+                  <a:schemeClr val="bg1"/>
+                </a:solidFill>
+                <a:latin typeface="Fira Code" panose="020B0509050000020004" pitchFamily="49" charset="0"/>
+                <a:ea typeface="Fira Code" panose="020B0509050000020004" pitchFamily="49" charset="0"/>
+              </a:rPr>
+              <a:t>&lt;::</a:t>
+            </a:r>
+            <a:r>
+              <a:rPr lang="en-US" dirty="0" err="1">
+                <a:solidFill>
+                  <a:schemeClr val="accent3">
+                    <a:lumMod val="20000"/>
+                    <a:lumOff val="80000"/>
+                  </a:schemeClr>
+                </a:solidFill>
+                <a:latin typeface="Fira Code" panose="020B0509050000020004" pitchFamily="49" charset="0"/>
+                <a:ea typeface="Fira Code" panose="020B0509050000020004" pitchFamily="49" charset="0"/>
+              </a:rPr>
+              <a:t>id_list</a:t>
+            </a:r>
+            <a:r>
+              <a:rPr lang="en-US" dirty="0">
+                <a:solidFill>
+                  <a:schemeClr val="bg1"/>
+                </a:solidFill>
+                <a:latin typeface="Fira Code" panose="020B0509050000020004" pitchFamily="49" charset="0"/>
+                <a:ea typeface="Fira Code" panose="020B0509050000020004" pitchFamily="49" charset="0"/>
+              </a:rPr>
+              <a:t>&gt; {</a:t>
+            </a:r>
+          </a:p>
+          <a:p>
+            <a:r>
+              <a:rPr lang="en-US" dirty="0">
+                <a:solidFill>
+                  <a:schemeClr val="bg1"/>
+                </a:solidFill>
+                <a:latin typeface="Fira Code" panose="020B0509050000020004" pitchFamily="49" charset="0"/>
+                <a:ea typeface="Fira Code" panose="020B0509050000020004" pitchFamily="49" charset="0"/>
+              </a:rPr>
+              <a:t>		constexpr static ::std::</a:t>
+            </a:r>
+            <a:r>
+              <a:rPr lang="en-US" dirty="0" err="1">
+                <a:solidFill>
+                  <a:schemeClr val="accent1">
+                    <a:lumMod val="20000"/>
+                    <a:lumOff val="80000"/>
+                  </a:schemeClr>
+                </a:solidFill>
+                <a:latin typeface="Fira Code" panose="020B0509050000020004" pitchFamily="49" charset="0"/>
+                <a:ea typeface="Fira Code" panose="020B0509050000020004" pitchFamily="49" charset="0"/>
+              </a:rPr>
+              <a:t>size_t</a:t>
+            </a:r>
+            <a:r>
+              <a:rPr lang="en-US" dirty="0">
+                <a:solidFill>
+                  <a:schemeClr val="accent1">
+                    <a:lumMod val="20000"/>
+                    <a:lumOff val="80000"/>
+                  </a:schemeClr>
+                </a:solidFill>
+                <a:latin typeface="Fira Code" panose="020B0509050000020004" pitchFamily="49" charset="0"/>
+                <a:ea typeface="Fira Code" panose="020B0509050000020004" pitchFamily="49" charset="0"/>
+              </a:rPr>
+              <a:t> </a:t>
+            </a:r>
+            <a:r>
+              <a:rPr lang="en-US" dirty="0">
+                <a:solidFill>
+                  <a:schemeClr val="bg1"/>
+                </a:solidFill>
+                <a:latin typeface="Fira Code" panose="020B0509050000020004" pitchFamily="49" charset="0"/>
+                <a:ea typeface="Fira Code" panose="020B0509050000020004" pitchFamily="49" charset="0"/>
+              </a:rPr>
+              <a:t>size (const ::</a:t>
+            </a:r>
+            <a:r>
+              <a:rPr lang="en-US" dirty="0" err="1">
+                <a:solidFill>
+                  <a:schemeClr val="accent3">
+                    <a:lumMod val="20000"/>
+                    <a:lumOff val="80000"/>
+                  </a:schemeClr>
+                </a:solidFill>
+                <a:latin typeface="Fira Code" panose="020B0509050000020004" pitchFamily="49" charset="0"/>
+                <a:ea typeface="Fira Code" panose="020B0509050000020004" pitchFamily="49" charset="0"/>
+              </a:rPr>
+              <a:t>id_list</a:t>
+            </a:r>
+            <a:r>
+              <a:rPr lang="en-US" dirty="0">
+                <a:solidFill>
+                  <a:schemeClr val="bg1"/>
+                </a:solidFill>
+                <a:latin typeface="Fira Code" panose="020B0509050000020004" pitchFamily="49" charset="0"/>
+                <a:ea typeface="Fira Code" panose="020B0509050000020004" pitchFamily="49" charset="0"/>
+              </a:rPr>
+              <a:t>&amp; </a:t>
+            </a:r>
+            <a:r>
+              <a:rPr lang="en-US" dirty="0" err="1">
+                <a:solidFill>
+                  <a:schemeClr val="bg1"/>
+                </a:solidFill>
+                <a:latin typeface="Fira Code" panose="020B0509050000020004" pitchFamily="49" charset="0"/>
+                <a:ea typeface="Fira Code" panose="020B0509050000020004" pitchFamily="49" charset="0"/>
+              </a:rPr>
+              <a:t>il</a:t>
+            </a:r>
+            <a:r>
+              <a:rPr lang="en-US" dirty="0">
+                <a:solidFill>
+                  <a:schemeClr val="bg1"/>
+                </a:solidFill>
+                <a:latin typeface="Fira Code" panose="020B0509050000020004" pitchFamily="49" charset="0"/>
+                <a:ea typeface="Fira Code" panose="020B0509050000020004" pitchFamily="49" charset="0"/>
+              </a:rPr>
+              <a:t>) noexcept {</a:t>
+            </a:r>
+          </a:p>
+          <a:p>
+            <a:r>
+              <a:rPr lang="en-US" dirty="0">
+                <a:solidFill>
+                  <a:schemeClr val="bg1"/>
+                </a:solidFill>
+                <a:latin typeface="Fira Code" panose="020B0509050000020004" pitchFamily="49" charset="0"/>
+                <a:ea typeface="Fira Code" panose="020B0509050000020004" pitchFamily="49" charset="0"/>
+              </a:rPr>
+              <a:t>			</a:t>
+            </a:r>
+            <a:r>
+              <a:rPr lang="en-US" dirty="0">
+                <a:solidFill>
+                  <a:schemeClr val="accent6">
+                    <a:lumMod val="60000"/>
+                    <a:lumOff val="40000"/>
+                  </a:schemeClr>
+                </a:solidFill>
+                <a:latin typeface="Fira Code" panose="020B0509050000020004" pitchFamily="49" charset="0"/>
+                <a:ea typeface="Fira Code" panose="020B0509050000020004" pitchFamily="49" charset="0"/>
+              </a:rPr>
+              <a:t>return</a:t>
+            </a:r>
+            <a:r>
+              <a:rPr lang="en-US" dirty="0">
+                <a:solidFill>
+                  <a:schemeClr val="bg1"/>
+                </a:solidFill>
+                <a:latin typeface="Fira Code" panose="020B0509050000020004" pitchFamily="49" charset="0"/>
+                <a:ea typeface="Fira Code" panose="020B0509050000020004" pitchFamily="49" charset="0"/>
+              </a:rPr>
+              <a:t> </a:t>
+            </a:r>
+            <a:r>
+              <a:rPr lang="en-US" dirty="0" err="1">
+                <a:solidFill>
+                  <a:schemeClr val="bg1"/>
+                </a:solidFill>
+                <a:latin typeface="Fira Code" panose="020B0509050000020004" pitchFamily="49" charset="0"/>
+                <a:ea typeface="Fira Code" panose="020B0509050000020004" pitchFamily="49" charset="0"/>
+              </a:rPr>
+              <a:t>il.len</a:t>
+            </a:r>
+            <a:r>
+              <a:rPr lang="en-US" dirty="0">
+                <a:solidFill>
+                  <a:schemeClr val="bg1"/>
+                </a:solidFill>
+                <a:latin typeface="Fira Code" panose="020B0509050000020004" pitchFamily="49" charset="0"/>
+                <a:ea typeface="Fira Code" panose="020B0509050000020004" pitchFamily="49" charset="0"/>
+              </a:rPr>
+              <a:t>;</a:t>
+            </a:r>
+          </a:p>
+          <a:p>
+            <a:r>
+              <a:rPr lang="en-US" dirty="0">
+                <a:solidFill>
+                  <a:schemeClr val="bg1"/>
+                </a:solidFill>
+                <a:latin typeface="Fira Code" panose="020B0509050000020004" pitchFamily="49" charset="0"/>
+                <a:ea typeface="Fira Code" panose="020B0509050000020004" pitchFamily="49" charset="0"/>
+              </a:rPr>
+              <a:t>		}</a:t>
+            </a:r>
+          </a:p>
+          <a:p>
+            <a:r>
+              <a:rPr lang="en-US" dirty="0">
+                <a:solidFill>
+                  <a:schemeClr val="bg1"/>
+                </a:solidFill>
+                <a:latin typeface="Fira Code" panose="020B0509050000020004" pitchFamily="49" charset="0"/>
+                <a:ea typeface="Fira Code" panose="020B0509050000020004" pitchFamily="49" charset="0"/>
+              </a:rPr>
+              <a:t>	};</a:t>
+            </a:r>
+          </a:p>
+          <a:p>
+            <a:r>
+              <a:rPr lang="en-US" dirty="0">
+                <a:solidFill>
+                  <a:schemeClr val="bg1"/>
+                </a:solidFill>
+                <a:latin typeface="Fira Code" panose="020B0509050000020004" pitchFamily="49" charset="0"/>
+                <a:ea typeface="Fira Code" panose="020B0509050000020004" pitchFamily="49" charset="0"/>
+              </a:rPr>
+              <a:t>}</a:t>
+            </a:r>
+          </a:p>
+        </p:txBody>
+      </p:sp>
+    </p:spTree>
+    <p:extLst>
+      <p:ext uri="{BB962C8B-B14F-4D97-AF65-F5344CB8AC3E}">
+        <p14:creationId xmlns:p14="http://schemas.microsoft.com/office/powerpoint/2010/main" val="1478892034"/>
+      </p:ext>
+    </p:extLst>
+  </p:cSld>
+  <p:clrMapOvr>
+    <a:masterClrMapping/>
+  </p:clrMapOvr>
+</p:sld>
+</file>
+
+<file path=ppt/slides/slide9.xml><?xml version="1.0" encoding="utf-8"?>
+<p:sld xmlns:a="http://schemas.openxmlformats.org/drawingml/2006/main" xmlns:r="http://schemas.openxmlformats.org/officeDocument/2006/relationships" xmlns:p="http://schemas.openxmlformats.org/presentationml/2006/main">
+  <p:cSld>
+    <p:spTree>
+      <p:nvGrpSpPr>
+        <p:cNvPr id="1" name=""/>
+        <p:cNvGrpSpPr/>
+        <p:nvPr/>
+      </p:nvGrpSpPr>
+      <p:grpSpPr>
+        <a:xfrm>
+          <a:off x="0" y="0"/>
+          <a:ext cx="0" cy="0"/>
+          <a:chOff x="0" y="0"/>
+          <a:chExt cx="0" cy="0"/>
+        </a:xfrm>
+      </p:grpSpPr>
+      <p:sp>
+        <p:nvSpPr>
+          <p:cNvPr id="2" name="Title 1">
+            <a:extLst>
+              <a:ext uri="{FF2B5EF4-FFF2-40B4-BE49-F238E27FC236}">
+                <a16:creationId xmlns:a16="http://schemas.microsoft.com/office/drawing/2014/main" id="{E2139E56-E7DA-4F2C-9BB1-C2E197B5FA37}"/>
+              </a:ext>
+            </a:extLst>
+          </p:cNvPr>
+          <p:cNvSpPr>
+            <a:spLocks noGrp="1"/>
+          </p:cNvSpPr>
+          <p:nvPr>
+            <p:ph type="title"/>
+          </p:nvPr>
+        </p:nvSpPr>
+        <p:spPr/>
+        <p:txBody>
+          <a:bodyPr/>
+          <a:lstStyle/>
+          <a:p>
+            <a:r>
+              <a:rPr lang="en-US" dirty="0">
+                <a:latin typeface="Fira Code" panose="020B0509050000020004" pitchFamily="49" charset="0"/>
+                <a:ea typeface="Fira Code" panose="020B0509050000020004" pitchFamily="49" charset="0"/>
+              </a:rPr>
+              <a:t>std::</a:t>
+            </a:r>
+            <a:r>
+              <a:rPr lang="en-US" dirty="0" err="1">
+                <a:solidFill>
+                  <a:schemeClr val="accent3">
+                    <a:lumMod val="20000"/>
+                    <a:lumOff val="80000"/>
+                  </a:schemeClr>
+                </a:solidFill>
+                <a:latin typeface="Fira Code" panose="020B0509050000020004" pitchFamily="49" charset="0"/>
+                <a:ea typeface="Fira Code" panose="020B0509050000020004" pitchFamily="49" charset="0"/>
+              </a:rPr>
+              <a:t>fam_traits</a:t>
+            </a:r>
+            <a:r>
+              <a:rPr lang="en-US" dirty="0">
+                <a:latin typeface="Fira Code" panose="020B0509050000020004" pitchFamily="49" charset="0"/>
+                <a:ea typeface="Fira Code" panose="020B0509050000020004" pitchFamily="49" charset="0"/>
+              </a:rPr>
+              <a:t>&lt;</a:t>
+            </a:r>
+            <a:r>
+              <a:rPr lang="en-US" dirty="0">
+                <a:solidFill>
+                  <a:schemeClr val="accent1">
+                    <a:lumMod val="20000"/>
+                    <a:lumOff val="80000"/>
+                  </a:schemeClr>
+                </a:solidFill>
+                <a:latin typeface="Fira Code" panose="020B0509050000020004" pitchFamily="49" charset="0"/>
+                <a:ea typeface="Fira Code" panose="020B0509050000020004" pitchFamily="49" charset="0"/>
+              </a:rPr>
+              <a:t>T</a:t>
+            </a:r>
+            <a:r>
+              <a:rPr lang="en-US" dirty="0">
+                <a:latin typeface="Fira Code" panose="020B0509050000020004" pitchFamily="49" charset="0"/>
+                <a:ea typeface="Fira Code" panose="020B0509050000020004" pitchFamily="49" charset="0"/>
+              </a:rPr>
+              <a:t>&gt;</a:t>
+            </a:r>
+          </a:p>
+        </p:txBody>
+      </p:sp>
+      <p:sp>
+        <p:nvSpPr>
+          <p:cNvPr id="3" name="Slide Number Placeholder 2">
+            <a:extLst>
+              <a:ext uri="{FF2B5EF4-FFF2-40B4-BE49-F238E27FC236}">
+                <a16:creationId xmlns:a16="http://schemas.microsoft.com/office/drawing/2014/main" id="{450078FD-1009-4531-BE22-41E9C07384DA}"/>
+              </a:ext>
+            </a:extLst>
+          </p:cNvPr>
+          <p:cNvSpPr>
+            <a:spLocks noGrp="1"/>
+          </p:cNvSpPr>
+          <p:nvPr>
+            <p:ph type="sldNum" sz="quarter" idx="12"/>
+          </p:nvPr>
+        </p:nvSpPr>
+        <p:spPr/>
+        <p:txBody>
+          <a:bodyPr/>
+          <a:lstStyle/>
+          <a:p>
+            <a:fld id="{C263D6C4-4840-40CC-AC84-17E24B3B7BDE}" type="slidenum">
+              <a:rPr lang="en-GB" smtClean="0"/>
+              <a:pPr/>
+              <a:t>9</a:t>
+            </a:fld>
+            <a:endParaRPr lang="en-GB" dirty="0"/>
+          </a:p>
+        </p:txBody>
+      </p:sp>
+      <p:sp>
+        <p:nvSpPr>
+          <p:cNvPr id="4" name="Content Placeholder 3">
+            <a:extLst>
+              <a:ext uri="{FF2B5EF4-FFF2-40B4-BE49-F238E27FC236}">
+                <a16:creationId xmlns:a16="http://schemas.microsoft.com/office/drawing/2014/main" id="{F5740597-9339-4F6F-A627-9CB99ECBCB8C}"/>
+              </a:ext>
+            </a:extLst>
+          </p:cNvPr>
+          <p:cNvSpPr>
+            <a:spLocks noGrp="1"/>
+          </p:cNvSpPr>
+          <p:nvPr>
+            <p:ph idx="1"/>
+          </p:nvPr>
+        </p:nvSpPr>
+        <p:spPr/>
+        <p:txBody>
+          <a:bodyPr/>
+          <a:lstStyle/>
+          <a:p>
+            <a:r>
+              <a:rPr lang="en-US" dirty="0"/>
+              <a:t>1 member: </a:t>
+            </a:r>
+            <a:r>
+              <a:rPr lang="en-US" sz="2400" dirty="0">
+                <a:latin typeface="Fira Code" panose="020B0509050000020004" pitchFamily="49" charset="0"/>
+                <a:ea typeface="Fira Code" panose="020B0509050000020004" pitchFamily="49" charset="0"/>
+              </a:rPr>
+              <a:t>size(const </a:t>
+            </a:r>
+            <a:r>
+              <a:rPr lang="en-US" sz="2400" dirty="0">
+                <a:solidFill>
+                  <a:schemeClr val="accent1">
+                    <a:lumMod val="20000"/>
+                    <a:lumOff val="80000"/>
+                  </a:schemeClr>
+                </a:solidFill>
+                <a:latin typeface="Fira Code" panose="020B0509050000020004" pitchFamily="49" charset="0"/>
+                <a:ea typeface="Fira Code" panose="020B0509050000020004" pitchFamily="49" charset="0"/>
+              </a:rPr>
+              <a:t>T</a:t>
+            </a:r>
+            <a:r>
+              <a:rPr lang="en-US" sz="2400" dirty="0">
+                <a:latin typeface="Fira Code" panose="020B0509050000020004" pitchFamily="49" charset="0"/>
+                <a:ea typeface="Fira Code" panose="020B0509050000020004" pitchFamily="49" charset="0"/>
+              </a:rPr>
+              <a:t>&amp;)</a:t>
+            </a:r>
+            <a:r>
+              <a:rPr lang="en-US" dirty="0"/>
+              <a:t>  to return the size of the Flexible Array Type</a:t>
+            </a:r>
+          </a:p>
+          <a:p>
+            <a:pPr lvl="1"/>
+            <a:r>
+              <a:rPr lang="en-US" dirty="0"/>
+              <a:t>required</a:t>
+            </a:r>
+          </a:p>
+          <a:p>
+            <a:pPr lvl="1"/>
+            <a:endParaRPr lang="en-US" dirty="0"/>
+          </a:p>
+          <a:p>
+            <a:r>
+              <a:rPr lang="en-US" dirty="0"/>
+              <a:t>If not specialized by user: compiler uses implementation-specific storage scheme</a:t>
+            </a:r>
+          </a:p>
+          <a:p>
+            <a:pPr lvl="1"/>
+            <a:r>
+              <a:rPr lang="en-US" dirty="0"/>
+              <a:t>Otherwise: object itself is passed to </a:t>
+            </a:r>
+            <a:r>
+              <a:rPr lang="en-US" sz="2000" dirty="0">
+                <a:latin typeface="Fira Code" panose="020B0509050000020004" pitchFamily="49" charset="0"/>
+                <a:ea typeface="Fira Code" panose="020B0509050000020004" pitchFamily="49" charset="0"/>
+              </a:rPr>
+              <a:t>size(const </a:t>
+            </a:r>
+            <a:r>
+              <a:rPr lang="en-US" sz="2000" dirty="0">
+                <a:solidFill>
+                  <a:schemeClr val="accent1">
+                    <a:lumMod val="20000"/>
+                    <a:lumOff val="80000"/>
+                  </a:schemeClr>
+                </a:solidFill>
+                <a:latin typeface="Fira Code" panose="020B0509050000020004" pitchFamily="49" charset="0"/>
+                <a:ea typeface="Fira Code" panose="020B0509050000020004" pitchFamily="49" charset="0"/>
+              </a:rPr>
+              <a:t>T</a:t>
+            </a:r>
+            <a:r>
+              <a:rPr lang="en-US" sz="2000" dirty="0">
+                <a:latin typeface="Fira Code" panose="020B0509050000020004" pitchFamily="49" charset="0"/>
+                <a:ea typeface="Fira Code" panose="020B0509050000020004" pitchFamily="49" charset="0"/>
+              </a:rPr>
+              <a:t>&amp;)</a:t>
+            </a:r>
+            <a:r>
+              <a:rPr lang="en-US" sz="2000" dirty="0"/>
+              <a:t> </a:t>
+            </a:r>
+            <a:r>
+              <a:rPr lang="en-US" dirty="0"/>
+              <a:t>member and user can do whatever</a:t>
+            </a:r>
+          </a:p>
+        </p:txBody>
+      </p:sp>
+    </p:spTree>
+    <p:extLst>
+      <p:ext uri="{BB962C8B-B14F-4D97-AF65-F5344CB8AC3E}">
+        <p14:creationId xmlns:p14="http://schemas.microsoft.com/office/powerpoint/2010/main" val="2031298592"/>
+      </p:ext>
+    </p:extLst>
+  </p:cSld>
+  <p:clrMapOvr>
+    <a:masterClrMapping/>
+  </p:clrMapOvr>
 </p:sld>
 </file>
 
@@ -26886,6 +28966,24 @@
 </file>
 
 <file path=customXml/item1.xml><?xml version="1.0" encoding="utf-8"?>
+<p:properties xmlns:p="http://schemas.microsoft.com/office/2006/metadata/properties" xmlns:xsi="http://www.w3.org/2001/XMLSchema-instance" xmlns:pc="http://schemas.microsoft.com/office/infopath/2007/PartnerControls">
+  <documentManagement>
+    <_ip_UnifiedCompliancePolicyUIAction xmlns="http://schemas.microsoft.com/sharepoint/v3" xsi:nil="true"/>
+    <_ip_UnifiedCompliancePolicyProperties xmlns="http://schemas.microsoft.com/sharepoint/v3" xsi:nil="true"/>
+  </documentManagement>
+</p:properties>
+</file>
+
+<file path=customXml/item2.xml><?xml version="1.0" encoding="utf-8"?>
+<?mso-contentType ?>
+<FormTemplates xmlns="http://schemas.microsoft.com/sharepoint/v3/contenttype/forms">
+  <Display>DocumentLibraryForm</Display>
+  <Edit>DocumentLibraryForm</Edit>
+  <New>DocumentLibraryForm</New>
+</FormTemplates>
+</file>
+
+<file path=customXml/item3.xml><?xml version="1.0" encoding="utf-8"?>
 <ct:contentTypeSchema xmlns:ct="http://schemas.microsoft.com/office/2006/metadata/contentType" xmlns:ma="http://schemas.microsoft.com/office/2006/metadata/properties/metaAttributes" ct:_="" ma:_="" ma:contentTypeName="Document" ma:contentTypeID="0x010100DEEA25CC0A0AC24199CDC46C25B8B0BC" ma:contentTypeVersion="10" ma:contentTypeDescription="Create a new document." ma:contentTypeScope="" ma:versionID="e3b47856d4cf355c0dacb39e1084d14f">
   <xsd:schema xmlns:xsd="http://www.w3.org/2001/XMLSchema" xmlns:xs="http://www.w3.org/2001/XMLSchema" xmlns:p="http://schemas.microsoft.com/office/2006/metadata/properties" xmlns:ns1="http://schemas.microsoft.com/sharepoint/v3" xmlns:ns2="6dc4bcd6-49db-4c07-9060-8acfc67cef9f" xmlns:ns3="fb0879af-3eba-417a-a55a-ffe6dcd6ca77" targetNamespace="http://schemas.microsoft.com/office/2006/metadata/properties" ma:root="true" ma:fieldsID="a845a615265fdb1f7b12cc65ac20ecbd" ns1:_="" ns2:_="" ns3:_="">
     <xsd:import namespace="http://schemas.microsoft.com/sharepoint/v3"/>
@@ -27093,25 +29191,33 @@
 </ct:contentTypeSchema>
 </file>
 
-<file path=customXml/item2.xml><?xml version="1.0" encoding="utf-8"?>
-<?mso-contentType ?>
-<FormTemplates xmlns="http://schemas.microsoft.com/sharepoint/v3/contenttype/forms">
-  <Display>DocumentLibraryForm</Display>
-  <Edit>DocumentLibraryForm</Edit>
-  <New>DocumentLibraryForm</New>
-</FormTemplates>
+<file path=customXml/itemProps1.xml><?xml version="1.0" encoding="utf-8"?>
+<ds:datastoreItem xmlns:ds="http://schemas.openxmlformats.org/officeDocument/2006/customXml" ds:itemID="{F8992231-163D-4428-A2B8-DA1FE0274129}">
+  <ds:schemaRefs>
+    <ds:schemaRef ds:uri="http://purl.org/dc/dcmitype/"/>
+    <ds:schemaRef ds:uri="http://schemas.openxmlformats.org/package/2006/metadata/core-properties"/>
+    <ds:schemaRef ds:uri="http://purl.org/dc/terms/"/>
+    <ds:schemaRef ds:uri="6dc4bcd6-49db-4c07-9060-8acfc67cef9f"/>
+    <ds:schemaRef ds:uri="fb0879af-3eba-417a-a55a-ffe6dcd6ca77"/>
+    <ds:schemaRef ds:uri="http://schemas.microsoft.com/office/2006/metadata/properties"/>
+    <ds:schemaRef ds:uri="http://schemas.microsoft.com/office/2006/documentManagement/types"/>
+    <ds:schemaRef ds:uri="http://schemas.microsoft.com/office/infopath/2007/PartnerControls"/>
+    <ds:schemaRef ds:uri="http://schemas.microsoft.com/sharepoint/v3"/>
+    <ds:schemaRef ds:uri="http://www.w3.org/XML/1998/namespace"/>
+    <ds:schemaRef ds:uri="http://purl.org/dc/elements/1.1/"/>
+  </ds:schemaRefs>
+</ds:datastoreItem>
 </file>
 
-<file path=customXml/item3.xml><?xml version="1.0" encoding="utf-8"?>
-<p:properties xmlns:p="http://schemas.microsoft.com/office/2006/metadata/properties" xmlns:xsi="http://www.w3.org/2001/XMLSchema-instance" xmlns:pc="http://schemas.microsoft.com/office/infopath/2007/PartnerControls">
-  <documentManagement>
-    <_ip_UnifiedCompliancePolicyUIAction xmlns="http://schemas.microsoft.com/sharepoint/v3" xsi:nil="true"/>
-    <_ip_UnifiedCompliancePolicyProperties xmlns="http://schemas.microsoft.com/sharepoint/v3" xsi:nil="true"/>
-  </documentManagement>
-</p:properties>
+<file path=customXml/itemProps2.xml><?xml version="1.0" encoding="utf-8"?>
+<ds:datastoreItem xmlns:ds="http://schemas.openxmlformats.org/officeDocument/2006/customXml" ds:itemID="{8A95DE24-D6C3-4A00-9085-D9594C193AE1}">
+  <ds:schemaRefs>
+    <ds:schemaRef ds:uri="http://schemas.microsoft.com/sharepoint/v3/contenttype/forms"/>
+  </ds:schemaRefs>
+</ds:datastoreItem>
 </file>
 
-<file path=customXml/itemProps1.xml><?xml version="1.0" encoding="utf-8"?>
+<file path=customXml/itemProps3.xml><?xml version="1.0" encoding="utf-8"?>
 <ds:datastoreItem xmlns:ds="http://schemas.openxmlformats.org/officeDocument/2006/customXml" ds:itemID="{6B67ACAB-C3DC-429D-A23C-0723C084FEE5}">
   <ds:schemaRefs>
     <ds:schemaRef ds:uri="http://schemas.microsoft.com/office/2006/metadata/contentType"/>
@@ -27129,22 +29235,4 @@
     <ds:schemaRef ds:uri="http://schemas.microsoft.com/internal/obd"/>
   </ds:schemaRefs>
 </ds:datastoreItem>
-</file>
-
-<file path=customXml/itemProps2.xml><?xml version="1.0" encoding="utf-8"?>
-<ds:datastoreItem xmlns:ds="http://schemas.openxmlformats.org/officeDocument/2006/customXml" ds:itemID="{8A95DE24-D6C3-4A00-9085-D9594C193AE1}">
-  <ds:schemaRefs>
-    <ds:schemaRef ds:uri="http://schemas.microsoft.com/sharepoint/v3/contenttype/forms"/>
-  </ds:schemaRefs>
-</ds:datastoreItem>
-</file>
-
-<file path=customXml/itemProps3.xml><?xml version="1.0" encoding="utf-8"?>
-<ds:datastoreItem xmlns:ds="http://schemas.openxmlformats.org/officeDocument/2006/customXml" ds:itemID="{F8992231-163D-4428-A2B8-DA1FE0274129}">
-  <ds:schemaRefs>
-    <ds:schemaRef ds:uri="http://schemas.microsoft.com/office/2006/metadata/properties"/>
-    <ds:schemaRef ds:uri="http://schemas.microsoft.com/office/infopath/2007/PartnerControls"/>
-    <ds:schemaRef ds:uri="http://schemas.microsoft.com/sharepoint/v3"/>
-  </ds:schemaRefs>
-</ds:datastoreItem>
 </file>